--- a/Final_submission/presentation_draft.pptx
+++ b/Final_submission/presentation_draft.pptx
@@ -5,7 +5,7 @@
     <p:sldMasterId id="2147483663" r:id="rId1"/>
   </p:sldMasterIdLst>
   <p:notesMasterIdLst>
-    <p:notesMasterId r:id="rId8"/>
+    <p:notesMasterId r:id="rId13"/>
   </p:notesMasterIdLst>
   <p:sldIdLst>
     <p:sldId id="256" r:id="rId2"/>
@@ -14,11 +14,16 @@
     <p:sldId id="259" r:id="rId5"/>
     <p:sldId id="260" r:id="rId6"/>
     <p:sldId id="261" r:id="rId7"/>
+    <p:sldId id="262" r:id="rId8"/>
+    <p:sldId id="263" r:id="rId9"/>
+    <p:sldId id="264" r:id="rId10"/>
+    <p:sldId id="265" r:id="rId11"/>
+    <p:sldId id="266" r:id="rId12"/>
   </p:sldIdLst>
   <p:sldSz cx="9144000" cy="6858000" type="screen4x3"/>
   <p:notesSz cx="10234613" cy="7099300"/>
   <p:custDataLst>
-    <p:tags r:id="rId9"/>
+    <p:tags r:id="rId14"/>
   </p:custDataLst>
   <p:defaultTextStyle>
     <a:defPPr>
@@ -259,7 +264,7 @@
           <a:effectLst/>
           <a:extLst>
             <a:ext uri="{91240B29-F687-4f45-9708-019B960494DF}">
-              <a14:hiddenLine xmlns:a14="http://schemas.microsoft.com/office/drawing/2010/main" xmlns="" w="9525">
+              <a14:hiddenLine xmlns="" xmlns:a14="http://schemas.microsoft.com/office/drawing/2010/main" w="9525">
                 <a:solidFill>
                   <a:srgbClr val="000000"/>
                 </a:solidFill>
@@ -269,7 +274,7 @@
               </a14:hiddenLine>
             </a:ext>
             <a:ext uri="{AF507438-7753-43e0-B8FC-AC1667EBCBE1}">
-              <a14:hiddenEffects xmlns:a14="http://schemas.microsoft.com/office/drawing/2010/main" xmlns="">
+              <a14:hiddenEffects xmlns="" xmlns:a14="http://schemas.microsoft.com/office/drawing/2010/main">
                 <a:effectLst>
                   <a:outerShdw dist="35921" dir="2700000" algn="ctr" rotWithShape="0">
                     <a:srgbClr val="808080"/>
@@ -312,14 +317,14 @@
           <a:effectLst/>
           <a:extLst>
             <a:ext uri="{909E8E84-426E-40dd-AFC4-6F175D3DCCD1}">
-              <a14:hiddenFill xmlns:a14="http://schemas.microsoft.com/office/drawing/2010/main" xmlns="">
+              <a14:hiddenFill xmlns="" xmlns:a14="http://schemas.microsoft.com/office/drawing/2010/main">
                 <a:solidFill>
                   <a:srgbClr val="FFFFFF"/>
                 </a:solidFill>
               </a14:hiddenFill>
             </a:ext>
             <a:ext uri="{91240B29-F687-4f45-9708-019B960494DF}">
-              <a14:hiddenLine xmlns:a14="http://schemas.microsoft.com/office/drawing/2010/main" xmlns="" w="9525">
+              <a14:hiddenLine xmlns="" xmlns:a14="http://schemas.microsoft.com/office/drawing/2010/main" w="9525">
                 <a:solidFill>
                   <a:srgbClr val="000000"/>
                 </a:solidFill>
@@ -329,7 +334,7 @@
               </a14:hiddenLine>
             </a:ext>
             <a:ext uri="{AF507438-7753-43e0-B8FC-AC1667EBCBE1}">
-              <a14:hiddenEffects xmlns:a14="http://schemas.microsoft.com/office/drawing/2010/main" xmlns="">
+              <a14:hiddenEffects xmlns="" xmlns:a14="http://schemas.microsoft.com/office/drawing/2010/main">
                 <a:effectLst>
                   <a:outerShdw dist="35921" dir="2700000" algn="ctr" rotWithShape="0">
                     <a:schemeClr val="bg2"/>
@@ -397,14 +402,14 @@
           <a:effectLst/>
           <a:extLst>
             <a:ext uri="{909E8E84-426E-40dd-AFC4-6F175D3DCCD1}">
-              <a14:hiddenFill xmlns:a14="http://schemas.microsoft.com/office/drawing/2010/main" xmlns="">
+              <a14:hiddenFill xmlns="" xmlns:a14="http://schemas.microsoft.com/office/drawing/2010/main">
                 <a:solidFill>
                   <a:srgbClr val="FFFFFF"/>
                 </a:solidFill>
               </a14:hiddenFill>
             </a:ext>
             <a:ext uri="{91240B29-F687-4f45-9708-019B960494DF}">
-              <a14:hiddenLine xmlns:a14="http://schemas.microsoft.com/office/drawing/2010/main" xmlns="" w="9525">
+              <a14:hiddenLine xmlns="" xmlns:a14="http://schemas.microsoft.com/office/drawing/2010/main" w="9525">
                 <a:solidFill>
                   <a:srgbClr val="000000"/>
                 </a:solidFill>
@@ -414,7 +419,7 @@
               </a14:hiddenLine>
             </a:ext>
             <a:ext uri="{AF507438-7753-43e0-B8FC-AC1667EBCBE1}">
-              <a14:hiddenEffects xmlns:a14="http://schemas.microsoft.com/office/drawing/2010/main" xmlns="">
+              <a14:hiddenEffects xmlns="" xmlns:a14="http://schemas.microsoft.com/office/drawing/2010/main">
                 <a:effectLst>
                   <a:outerShdw dist="35921" dir="2700000" algn="ctr" rotWithShape="0">
                     <a:schemeClr val="bg2"/>
@@ -482,14 +487,14 @@
           <a:effectLst/>
           <a:extLst>
             <a:ext uri="{909E8E84-426E-40dd-AFC4-6F175D3DCCD1}">
-              <a14:hiddenFill xmlns:a14="http://schemas.microsoft.com/office/drawing/2010/main" xmlns="">
+              <a14:hiddenFill xmlns="" xmlns:a14="http://schemas.microsoft.com/office/drawing/2010/main">
                 <a:solidFill>
                   <a:srgbClr val="FFFFFF"/>
                 </a:solidFill>
               </a14:hiddenFill>
             </a:ext>
             <a:ext uri="{91240B29-F687-4f45-9708-019B960494DF}">
-              <a14:hiddenLine xmlns:a14="http://schemas.microsoft.com/office/drawing/2010/main" xmlns="" w="9525">
+              <a14:hiddenLine xmlns="" xmlns:a14="http://schemas.microsoft.com/office/drawing/2010/main" w="9525">
                 <a:solidFill>
                   <a:srgbClr val="000000"/>
                 </a:solidFill>
@@ -499,7 +504,7 @@
               </a14:hiddenLine>
             </a:ext>
             <a:ext uri="{AF507438-7753-43e0-B8FC-AC1667EBCBE1}">
-              <a14:hiddenEffects xmlns:a14="http://schemas.microsoft.com/office/drawing/2010/main" xmlns="">
+              <a14:hiddenEffects xmlns="" xmlns:a14="http://schemas.microsoft.com/office/drawing/2010/main">
                 <a:effectLst>
                   <a:outerShdw dist="35921" dir="2700000" algn="ctr" rotWithShape="0">
                     <a:schemeClr val="bg2"/>
@@ -535,14 +540,14 @@
           <a:effectLst/>
           <a:extLst>
             <a:ext uri="{909E8E84-426E-40dd-AFC4-6F175D3DCCD1}">
-              <a14:hiddenFill xmlns:a14="http://schemas.microsoft.com/office/drawing/2010/main" xmlns="">
+              <a14:hiddenFill xmlns="" xmlns:a14="http://schemas.microsoft.com/office/drawing/2010/main">
                 <a:solidFill>
                   <a:srgbClr val="FFFFFF"/>
                 </a:solidFill>
               </a14:hiddenFill>
             </a:ext>
             <a:ext uri="{91240B29-F687-4f45-9708-019B960494DF}">
-              <a14:hiddenLine xmlns:a14="http://schemas.microsoft.com/office/drawing/2010/main" xmlns="" w="9525">
+              <a14:hiddenLine xmlns="" xmlns:a14="http://schemas.microsoft.com/office/drawing/2010/main" w="9525">
                 <a:solidFill>
                   <a:srgbClr val="000000"/>
                 </a:solidFill>
@@ -552,7 +557,7 @@
               </a14:hiddenLine>
             </a:ext>
             <a:ext uri="{AF507438-7753-43e0-B8FC-AC1667EBCBE1}">
-              <a14:hiddenEffects xmlns:a14="http://schemas.microsoft.com/office/drawing/2010/main" xmlns="">
+              <a14:hiddenEffects xmlns="" xmlns:a14="http://schemas.microsoft.com/office/drawing/2010/main">
                 <a:effectLst>
                   <a:outerShdw dist="35921" dir="2700000" algn="ctr" rotWithShape="0">
                     <a:schemeClr val="bg2"/>
@@ -600,14 +605,14 @@
           <a:effectLst/>
           <a:extLst>
             <a:ext uri="{909E8E84-426E-40dd-AFC4-6F175D3DCCD1}">
-              <a14:hiddenFill xmlns:a14="http://schemas.microsoft.com/office/drawing/2010/main" xmlns="">
+              <a14:hiddenFill xmlns="" xmlns:a14="http://schemas.microsoft.com/office/drawing/2010/main">
                 <a:solidFill>
                   <a:srgbClr val="FFFFFF"/>
                 </a:solidFill>
               </a14:hiddenFill>
             </a:ext>
             <a:ext uri="{91240B29-F687-4f45-9708-019B960494DF}">
-              <a14:hiddenLine xmlns:a14="http://schemas.microsoft.com/office/drawing/2010/main" xmlns="" w="9525">
+              <a14:hiddenLine xmlns="" xmlns:a14="http://schemas.microsoft.com/office/drawing/2010/main" w="9525">
                 <a:solidFill>
                   <a:srgbClr val="000000"/>
                 </a:solidFill>
@@ -617,7 +622,7 @@
               </a14:hiddenLine>
             </a:ext>
             <a:ext uri="{AF507438-7753-43e0-B8FC-AC1667EBCBE1}">
-              <a14:hiddenEffects xmlns:a14="http://schemas.microsoft.com/office/drawing/2010/main" xmlns="">
+              <a14:hiddenEffects xmlns="" xmlns:a14="http://schemas.microsoft.com/office/drawing/2010/main">
                 <a:effectLst>
                   <a:outerShdw dist="35921" dir="2700000" algn="ctr" rotWithShape="0">
                     <a:schemeClr val="bg2"/>
@@ -685,14 +690,14 @@
           <a:effectLst/>
           <a:extLst>
             <a:ext uri="{909E8E84-426E-40dd-AFC4-6F175D3DCCD1}">
-              <a14:hiddenFill xmlns:a14="http://schemas.microsoft.com/office/drawing/2010/main" xmlns="">
+              <a14:hiddenFill xmlns="" xmlns:a14="http://schemas.microsoft.com/office/drawing/2010/main">
                 <a:solidFill>
                   <a:srgbClr val="FFFFFF"/>
                 </a:solidFill>
               </a14:hiddenFill>
             </a:ext>
             <a:ext uri="{91240B29-F687-4f45-9708-019B960494DF}">
-              <a14:hiddenLine xmlns:a14="http://schemas.microsoft.com/office/drawing/2010/main" xmlns="" w="9525">
+              <a14:hiddenLine xmlns="" xmlns:a14="http://schemas.microsoft.com/office/drawing/2010/main" w="9525">
                 <a:solidFill>
                   <a:srgbClr val="000000"/>
                 </a:solidFill>
@@ -702,7 +707,7 @@
               </a14:hiddenLine>
             </a:ext>
             <a:ext uri="{AF507438-7753-43e0-B8FC-AC1667EBCBE1}">
-              <a14:hiddenEffects xmlns:a14="http://schemas.microsoft.com/office/drawing/2010/main" xmlns="">
+              <a14:hiddenEffects xmlns="" xmlns:a14="http://schemas.microsoft.com/office/drawing/2010/main">
                 <a:effectLst>
                   <a:outerShdw dist="35921" dir="2700000" algn="ctr" rotWithShape="0">
                     <a:schemeClr val="bg2"/>
@@ -4717,6 +4722,203 @@
 </p:sld>
 </file>
 
+<file path=ppt/slides/slide10.xml><?xml version="1.0" encoding="utf-8"?>
+<p:sld xmlns:a="http://schemas.openxmlformats.org/drawingml/2006/main" xmlns:r="http://schemas.openxmlformats.org/officeDocument/2006/relationships" xmlns:p="http://schemas.openxmlformats.org/presentationml/2006/main">
+  <p:cSld>
+    <p:spTree>
+      <p:nvGrpSpPr>
+        <p:cNvPr id="1" name=""/>
+        <p:cNvGrpSpPr/>
+        <p:nvPr/>
+      </p:nvGrpSpPr>
+      <p:grpSpPr>
+        <a:xfrm>
+          <a:off x="0" y="0"/>
+          <a:ext cx="0" cy="0"/>
+          <a:chOff x="0" y="0"/>
+          <a:chExt cx="0" cy="0"/>
+        </a:xfrm>
+      </p:grpSpPr>
+      <p:sp>
+        <p:nvSpPr>
+          <p:cNvPr id="2" name="Title 1">
+            <a:extLst>
+              <a:ext uri="{FF2B5EF4-FFF2-40B4-BE49-F238E27FC236}">
+                <a16:creationId xmlns:a16="http://schemas.microsoft.com/office/drawing/2014/main" id="{15E05A02-1779-4B44-BC04-2E68E5C6579D}"/>
+              </a:ext>
+            </a:extLst>
+          </p:cNvPr>
+          <p:cNvSpPr>
+            <a:spLocks noGrp="1"/>
+          </p:cNvSpPr>
+          <p:nvPr>
+            <p:ph type="title"/>
+          </p:nvPr>
+        </p:nvSpPr>
+        <p:spPr/>
+        <p:txBody>
+          <a:bodyPr/>
+          <a:lstStyle/>
+          <a:p>
+            <a:r>
+              <a:rPr lang="en-DE" dirty="0"/>
+              <a:t>Conclusion</a:t>
+            </a:r>
+          </a:p>
+        </p:txBody>
+      </p:sp>
+      <p:sp>
+        <p:nvSpPr>
+          <p:cNvPr id="3" name="Content Placeholder 2">
+            <a:extLst>
+              <a:ext uri="{FF2B5EF4-FFF2-40B4-BE49-F238E27FC236}">
+                <a16:creationId xmlns:a16="http://schemas.microsoft.com/office/drawing/2014/main" id="{5AFE2D61-D58E-5345-97F2-891D4EE6D6B3}"/>
+              </a:ext>
+            </a:extLst>
+          </p:cNvPr>
+          <p:cNvSpPr>
+            <a:spLocks noGrp="1"/>
+          </p:cNvSpPr>
+          <p:nvPr>
+            <p:ph idx="1"/>
+          </p:nvPr>
+        </p:nvSpPr>
+        <p:spPr/>
+        <p:txBody>
+          <a:bodyPr/>
+          <a:lstStyle/>
+          <a:p>
+            <a:r>
+              <a:rPr lang="en-DE" dirty="0"/>
+              <a:t>Conclusion </a:t>
+            </a:r>
+          </a:p>
+          <a:p>
+            <a:pPr lvl="1"/>
+            <a:r>
+              <a:rPr lang="en-DE" dirty="0"/>
+              <a:t>Network-based Scheduler adds extra execution time</a:t>
+            </a:r>
+          </a:p>
+          <a:p>
+            <a:pPr lvl="1"/>
+            <a:r>
+              <a:rPr lang="en-DE" dirty="0"/>
+              <a:t>Optimized technique considering default scheduler</a:t>
+            </a:r>
+          </a:p>
+          <a:p>
+            <a:pPr lvl="1"/>
+            <a:r>
+              <a:rPr lang="en-DE" dirty="0"/>
+              <a:t>Works along side the default scheduler</a:t>
+            </a:r>
+          </a:p>
+          <a:p>
+            <a:pPr lvl="1"/>
+            <a:endParaRPr lang="en-DE" dirty="0"/>
+          </a:p>
+        </p:txBody>
+      </p:sp>
+    </p:spTree>
+    <p:extLst>
+      <p:ext uri="{BB962C8B-B14F-4D97-AF65-F5344CB8AC3E}">
+        <p14:creationId xmlns:p14="http://schemas.microsoft.com/office/powerpoint/2010/main" val="2995853176"/>
+      </p:ext>
+    </p:extLst>
+  </p:cSld>
+  <p:clrMapOvr>
+    <a:masterClrMapping/>
+  </p:clrMapOvr>
+</p:sld>
+</file>
+
+<file path=ppt/slides/slide11.xml><?xml version="1.0" encoding="utf-8"?>
+<p:sld xmlns:a="http://schemas.openxmlformats.org/drawingml/2006/main" xmlns:r="http://schemas.openxmlformats.org/officeDocument/2006/relationships" xmlns:p="http://schemas.openxmlformats.org/presentationml/2006/main">
+  <p:cSld>
+    <p:spTree>
+      <p:nvGrpSpPr>
+        <p:cNvPr id="1" name=""/>
+        <p:cNvGrpSpPr/>
+        <p:nvPr/>
+      </p:nvGrpSpPr>
+      <p:grpSpPr>
+        <a:xfrm>
+          <a:off x="0" y="0"/>
+          <a:ext cx="0" cy="0"/>
+          <a:chOff x="0" y="0"/>
+          <a:chExt cx="0" cy="0"/>
+        </a:xfrm>
+      </p:grpSpPr>
+      <p:sp>
+        <p:nvSpPr>
+          <p:cNvPr id="2" name="Title 1">
+            <a:extLst>
+              <a:ext uri="{FF2B5EF4-FFF2-40B4-BE49-F238E27FC236}">
+                <a16:creationId xmlns:a16="http://schemas.microsoft.com/office/drawing/2014/main" id="{F438E8EF-4962-8042-8C93-8A91215050E9}"/>
+              </a:ext>
+            </a:extLst>
+          </p:cNvPr>
+          <p:cNvSpPr>
+            <a:spLocks noGrp="1"/>
+          </p:cNvSpPr>
+          <p:nvPr>
+            <p:ph type="title"/>
+          </p:nvPr>
+        </p:nvSpPr>
+        <p:spPr/>
+        <p:txBody>
+          <a:bodyPr/>
+          <a:lstStyle/>
+          <a:p>
+            <a:r>
+              <a:rPr lang="en-DE" dirty="0"/>
+              <a:t>References</a:t>
+            </a:r>
+          </a:p>
+        </p:txBody>
+      </p:sp>
+      <p:sp>
+        <p:nvSpPr>
+          <p:cNvPr id="3" name="Content Placeholder 2">
+            <a:extLst>
+              <a:ext uri="{FF2B5EF4-FFF2-40B4-BE49-F238E27FC236}">
+                <a16:creationId xmlns:a16="http://schemas.microsoft.com/office/drawing/2014/main" id="{B95AAB67-553F-5349-A3EC-1EA9200F7882}"/>
+              </a:ext>
+            </a:extLst>
+          </p:cNvPr>
+          <p:cNvSpPr>
+            <a:spLocks noGrp="1"/>
+          </p:cNvSpPr>
+          <p:nvPr>
+            <p:ph idx="1"/>
+          </p:nvPr>
+        </p:nvSpPr>
+        <p:spPr/>
+        <p:txBody>
+          <a:bodyPr/>
+          <a:lstStyle/>
+          <a:p>
+            <a:r>
+              <a:rPr lang="en-DE" dirty="0"/>
+              <a:t>Added after advisor reviews</a:t>
+            </a:r>
+          </a:p>
+        </p:txBody>
+      </p:sp>
+    </p:spTree>
+    <p:extLst>
+      <p:ext uri="{BB962C8B-B14F-4D97-AF65-F5344CB8AC3E}">
+        <p14:creationId xmlns:p14="http://schemas.microsoft.com/office/powerpoint/2010/main" val="2108283478"/>
+      </p:ext>
+    </p:extLst>
+  </p:cSld>
+  <p:clrMapOvr>
+    <a:masterClrMapping/>
+  </p:clrMapOvr>
+</p:sld>
+</file>
+
 <file path=ppt/slides/slide2.xml><?xml version="1.0" encoding="utf-8"?>
 <p:sld xmlns:a="http://schemas.openxmlformats.org/drawingml/2006/main" xmlns:r="http://schemas.openxmlformats.org/officeDocument/2006/relationships" xmlns:p="http://schemas.openxmlformats.org/presentationml/2006/main">
   <p:cSld>
@@ -4815,13 +5017,13 @@
           <a:p>
             <a:r>
               <a:rPr lang="en-DE" dirty="0"/>
-              <a:t>Comparison of new scheduling technique with default scheduler.</a:t>
+              <a:t>Comparison of new scheduling technique with other solutions.</a:t>
             </a:r>
           </a:p>
           <a:p>
             <a:r>
               <a:rPr lang="en-DE" dirty="0"/>
-              <a:t>Conclusion and Future work.</a:t>
+              <a:t>Conclusion.</a:t>
             </a:r>
           </a:p>
           <a:p>
@@ -4913,7 +5115,7 @@
           <a:p>
             <a:r>
               <a:rPr lang="en-DE" dirty="0"/>
-              <a:t>Idea</a:t>
+              <a:t>Concept of Fog Compuing</a:t>
             </a:r>
           </a:p>
           <a:p>
@@ -4952,7 +5154,14 @@
             <a:pPr lvl="1"/>
             <a:r>
               <a:rPr lang="en-DE" dirty="0"/>
-              <a:t>Cloud Infrastructure: OpenStack, AWS</a:t>
+              <a:t>Cloud: OpenStack, AWS</a:t>
+            </a:r>
+          </a:p>
+          <a:p>
+            <a:pPr lvl="1"/>
+            <a:r>
+              <a:rPr lang="en-DE" dirty="0"/>
+              <a:t>Containers: Kubernetes, Docker Swarn</a:t>
             </a:r>
           </a:p>
           <a:p>
@@ -4992,8 +5201,8 @@
         </p:blipFill>
         <p:spPr>
           <a:xfrm>
-            <a:off x="5422582" y="3789040"/>
-            <a:ext cx="3613914" cy="2160240"/>
+            <a:off x="5555208" y="987999"/>
+            <a:ext cx="3481288" cy="2080961"/>
           </a:xfrm>
           <a:prstGeom prst="rect">
             <a:avLst/>
@@ -5106,12 +5315,69 @@
           </a:p>
           <a:p>
             <a:pPr lvl="1"/>
-            <a:endParaRPr lang="en-GB" dirty="0"/>
+            <a:r>
+              <a:rPr lang="en-GB" i="1" dirty="0"/>
+              <a:t>Controller Manager</a:t>
+            </a:r>
+          </a:p>
+          <a:p>
+            <a:pPr lvl="1"/>
+            <a:r>
+              <a:rPr lang="en-GB" i="1" dirty="0" err="1"/>
+              <a:t>Kube</a:t>
+            </a:r>
+            <a:r>
+              <a:rPr lang="en-GB" i="1" dirty="0"/>
+              <a:t> Scheduler</a:t>
+            </a:r>
+          </a:p>
+          <a:p>
+            <a:pPr lvl="1"/>
+            <a:r>
+              <a:rPr lang="en-GB" i="1" dirty="0" err="1"/>
+              <a:t>Kubelets</a:t>
+            </a:r>
+            <a:endParaRPr lang="en-GB" i="1" dirty="0"/>
+          </a:p>
+          <a:p>
+            <a:pPr lvl="1"/>
+            <a:r>
+              <a:rPr lang="en-GB" i="1" dirty="0"/>
+              <a:t>Image Registry</a:t>
+            </a:r>
           </a:p>
           <a:p>
             <a:r>
               <a:rPr lang="en-DE" dirty="0"/>
               <a:t>Orchestration</a:t>
+            </a:r>
+          </a:p>
+          <a:p>
+            <a:pPr lvl="1"/>
+            <a:r>
+              <a:rPr lang="en-DE" dirty="0"/>
+              <a:t>Starting/stoping of applications</a:t>
+            </a:r>
+          </a:p>
+          <a:p>
+            <a:pPr lvl="1"/>
+            <a:r>
+              <a:rPr lang="en-DE" dirty="0"/>
+              <a:t>Scalabilty of applications</a:t>
+            </a:r>
+          </a:p>
+          <a:p>
+            <a:pPr lvl="1"/>
+            <a:r>
+              <a:rPr lang="en-DE" dirty="0"/>
+              <a:t>Load management</a:t>
+            </a:r>
+          </a:p>
+          <a:p>
+            <a:pPr lvl="1"/>
+            <a:r>
+              <a:rPr lang="en-DE" dirty="0"/>
+              <a:t>Health monitoring</a:t>
             </a:r>
           </a:p>
           <a:p>
@@ -5345,6 +5611,42 @@
           </a:p>
         </p:txBody>
       </p:sp>
+      <p:pic>
+        <p:nvPicPr>
+          <p:cNvPr id="5" name="Picture 4" descr="A screenshot of a cell phone&#10;&#10;Description automatically generated">
+            <a:extLst>
+              <a:ext uri="{FF2B5EF4-FFF2-40B4-BE49-F238E27FC236}">
+                <a16:creationId xmlns:a16="http://schemas.microsoft.com/office/drawing/2014/main" id="{229C9C2A-1942-FB4B-9ED2-C41198621056}"/>
+              </a:ext>
+            </a:extLst>
+          </p:cNvPr>
+          <p:cNvPicPr>
+            <a:picLocks noChangeAspect="1"/>
+          </p:cNvPicPr>
+          <p:nvPr/>
+        </p:nvPicPr>
+        <p:blipFill>
+          <a:blip r:embed="rId2">
+            <a:extLst>
+              <a:ext uri="{28A0092B-C50C-407E-A947-70E740481C1C}">
+                <a14:useLocalDpi xmlns:a14="http://schemas.microsoft.com/office/drawing/2010/main" val="0"/>
+              </a:ext>
+            </a:extLst>
+          </a:blip>
+          <a:stretch>
+            <a:fillRect/>
+          </a:stretch>
+        </p:blipFill>
+        <p:spPr>
+          <a:xfrm>
+            <a:off x="5767186" y="2420888"/>
+            <a:ext cx="3176789" cy="3429001"/>
+          </a:xfrm>
+          <a:prstGeom prst="rect">
+            <a:avLst/>
+          </a:prstGeom>
+        </p:spPr>
+      </p:pic>
     </p:spTree>
     <p:extLst>
       <p:ext uri="{BB962C8B-B14F-4D97-AF65-F5344CB8AC3E}">
@@ -5464,9 +5766,69 @@
           </a:p>
           <a:p>
             <a:r>
-              <a:rPr lang="en-DE"/>
-              <a:t>Uses “Affinity/Anti-Affinity rule” and Node labeling</a:t>
-            </a:r>
+              <a:rPr lang="en-DE" dirty="0"/>
+              <a:t>Uses “Affinity/Anti-Affinity rule”</a:t>
+            </a:r>
+          </a:p>
+          <a:p>
+            <a:r>
+              <a:rPr lang="en-DE" dirty="0"/>
+              <a:t>Uses Node labeling for resources</a:t>
+            </a:r>
+          </a:p>
+          <a:p>
+            <a:pPr lvl="1"/>
+            <a:r>
+              <a:rPr lang="en-DE" dirty="0"/>
+              <a:t>Resource: CPU, Memory -&gt; {</a:t>
+            </a:r>
+            <a:r>
+              <a:rPr lang="en-DE" i="1" dirty="0"/>
+              <a:t>Min, High, Medium</a:t>
+            </a:r>
+            <a:r>
+              <a:rPr lang="en-DE" dirty="0"/>
+              <a:t>}</a:t>
+            </a:r>
+          </a:p>
+          <a:p>
+            <a:pPr lvl="1"/>
+            <a:r>
+              <a:rPr lang="en-DE" dirty="0"/>
+              <a:t>Device Type: {</a:t>
+            </a:r>
+            <a:r>
+              <a:rPr lang="en-DE" i="1" dirty="0"/>
+              <a:t>Fog, Cloud</a:t>
+            </a:r>
+            <a:r>
+              <a:rPr lang="en-DE" dirty="0"/>
+              <a:t>}</a:t>
+            </a:r>
+          </a:p>
+          <a:p>
+            <a:pPr lvl="1"/>
+            <a:r>
+              <a:rPr lang="en-DE" dirty="0"/>
+              <a:t>Network delay: RTT tags</a:t>
+            </a:r>
+          </a:p>
+          <a:p>
+            <a:pPr marL="0" indent="0">
+              <a:buNone/>
+            </a:pPr>
+            <a:endParaRPr lang="en-DE" dirty="0"/>
+          </a:p>
+          <a:p>
+            <a:pPr lvl="1"/>
+            <a:endParaRPr lang="en-DE" dirty="0"/>
+          </a:p>
+          <a:p>
+            <a:pPr lvl="1"/>
+            <a:endParaRPr lang="en-DE" dirty="0"/>
+          </a:p>
+          <a:p>
+            <a:endParaRPr lang="en-DE" dirty="0"/>
           </a:p>
           <a:p>
             <a:endParaRPr lang="en-DE" dirty="0"/>
@@ -5480,6 +5842,411 @@
     <p:extLst>
       <p:ext uri="{BB962C8B-B14F-4D97-AF65-F5344CB8AC3E}">
         <p14:creationId xmlns:p14="http://schemas.microsoft.com/office/powerpoint/2010/main" val="3144301980"/>
+      </p:ext>
+    </p:extLst>
+  </p:cSld>
+  <p:clrMapOvr>
+    <a:masterClrMapping/>
+  </p:clrMapOvr>
+</p:sld>
+</file>
+
+<file path=ppt/slides/slide7.xml><?xml version="1.0" encoding="utf-8"?>
+<p:sld xmlns:a="http://schemas.openxmlformats.org/drawingml/2006/main" xmlns:r="http://schemas.openxmlformats.org/officeDocument/2006/relationships" xmlns:p="http://schemas.openxmlformats.org/presentationml/2006/main">
+  <p:cSld>
+    <p:spTree>
+      <p:nvGrpSpPr>
+        <p:cNvPr id="1" name=""/>
+        <p:cNvGrpSpPr/>
+        <p:nvPr/>
+      </p:nvGrpSpPr>
+      <p:grpSpPr>
+        <a:xfrm>
+          <a:off x="0" y="0"/>
+          <a:ext cx="0" cy="0"/>
+          <a:chOff x="0" y="0"/>
+          <a:chExt cx="0" cy="0"/>
+        </a:xfrm>
+      </p:grpSpPr>
+      <p:sp>
+        <p:nvSpPr>
+          <p:cNvPr id="2" name="Title 1">
+            <a:extLst>
+              <a:ext uri="{FF2B5EF4-FFF2-40B4-BE49-F238E27FC236}">
+                <a16:creationId xmlns:a16="http://schemas.microsoft.com/office/drawing/2014/main" id="{A8C80E43-A60F-8047-B99A-1829F32C09DA}"/>
+              </a:ext>
+            </a:extLst>
+          </p:cNvPr>
+          <p:cNvSpPr>
+            <a:spLocks noGrp="1"/>
+          </p:cNvSpPr>
+          <p:nvPr>
+            <p:ph type="title"/>
+          </p:nvPr>
+        </p:nvSpPr>
+        <p:spPr/>
+        <p:txBody>
+          <a:bodyPr/>
+          <a:lstStyle/>
+          <a:p>
+            <a:r>
+              <a:rPr lang="en-DE" dirty="0"/>
+              <a:t>Fog Computing Infrastructure</a:t>
+            </a:r>
+          </a:p>
+        </p:txBody>
+      </p:sp>
+      <p:pic>
+        <p:nvPicPr>
+          <p:cNvPr id="5" name="Content Placeholder 4" descr="A close up of a map&#10;&#10;Description automatically generated">
+            <a:extLst>
+              <a:ext uri="{FF2B5EF4-FFF2-40B4-BE49-F238E27FC236}">
+                <a16:creationId xmlns:a16="http://schemas.microsoft.com/office/drawing/2014/main" id="{B6DC9677-9D59-9E48-8245-B852015D1025}"/>
+              </a:ext>
+            </a:extLst>
+          </p:cNvPr>
+          <p:cNvPicPr>
+            <a:picLocks noGrp="1" noChangeAspect="1"/>
+          </p:cNvPicPr>
+          <p:nvPr>
+            <p:ph idx="1"/>
+          </p:nvPr>
+        </p:nvPicPr>
+        <p:blipFill>
+          <a:blip r:embed="rId2">
+            <a:extLst>
+              <a:ext uri="{28A0092B-C50C-407E-A947-70E740481C1C}">
+                <a14:useLocalDpi xmlns:a14="http://schemas.microsoft.com/office/drawing/2010/main" val="0"/>
+              </a:ext>
+            </a:extLst>
+          </a:blip>
+          <a:stretch>
+            <a:fillRect/>
+          </a:stretch>
+        </p:blipFill>
+        <p:spPr>
+          <a:xfrm>
+            <a:off x="1043608" y="902171"/>
+            <a:ext cx="7026371" cy="5191125"/>
+          </a:xfrm>
+        </p:spPr>
+      </p:pic>
+    </p:spTree>
+    <p:extLst>
+      <p:ext uri="{BB962C8B-B14F-4D97-AF65-F5344CB8AC3E}">
+        <p14:creationId xmlns:p14="http://schemas.microsoft.com/office/powerpoint/2010/main" val="2366732184"/>
+      </p:ext>
+    </p:extLst>
+  </p:cSld>
+  <p:clrMapOvr>
+    <a:masterClrMapping/>
+  </p:clrMapOvr>
+</p:sld>
+</file>
+
+<file path=ppt/slides/slide8.xml><?xml version="1.0" encoding="utf-8"?>
+<p:sld xmlns:a="http://schemas.openxmlformats.org/drawingml/2006/main" xmlns:r="http://schemas.openxmlformats.org/officeDocument/2006/relationships" xmlns:p="http://schemas.openxmlformats.org/presentationml/2006/main">
+  <p:cSld>
+    <p:spTree>
+      <p:nvGrpSpPr>
+        <p:cNvPr id="1" name=""/>
+        <p:cNvGrpSpPr/>
+        <p:nvPr/>
+      </p:nvGrpSpPr>
+      <p:grpSpPr>
+        <a:xfrm>
+          <a:off x="0" y="0"/>
+          <a:ext cx="0" cy="0"/>
+          <a:chOff x="0" y="0"/>
+          <a:chExt cx="0" cy="0"/>
+        </a:xfrm>
+      </p:grpSpPr>
+      <p:sp>
+        <p:nvSpPr>
+          <p:cNvPr id="2" name="Title 1">
+            <a:extLst>
+              <a:ext uri="{FF2B5EF4-FFF2-40B4-BE49-F238E27FC236}">
+                <a16:creationId xmlns:a16="http://schemas.microsoft.com/office/drawing/2014/main" id="{B83074A1-1315-3049-88C6-A63F591AC8A7}"/>
+              </a:ext>
+            </a:extLst>
+          </p:cNvPr>
+          <p:cNvSpPr>
+            <a:spLocks noGrp="1"/>
+          </p:cNvSpPr>
+          <p:nvPr>
+            <p:ph type="title"/>
+          </p:nvPr>
+        </p:nvSpPr>
+        <p:spPr/>
+        <p:txBody>
+          <a:bodyPr/>
+          <a:lstStyle/>
+          <a:p>
+            <a:r>
+              <a:rPr lang="en-DE" dirty="0"/>
+              <a:t>Evaluation of Network-based Scheduler</a:t>
+            </a:r>
+          </a:p>
+        </p:txBody>
+      </p:sp>
+      <p:sp>
+        <p:nvSpPr>
+          <p:cNvPr id="3" name="Content Placeholder 2">
+            <a:extLst>
+              <a:ext uri="{FF2B5EF4-FFF2-40B4-BE49-F238E27FC236}">
+                <a16:creationId xmlns:a16="http://schemas.microsoft.com/office/drawing/2014/main" id="{BCF752C1-1B46-F942-960D-9D0651611066}"/>
+              </a:ext>
+            </a:extLst>
+          </p:cNvPr>
+          <p:cNvSpPr>
+            <a:spLocks noGrp="1"/>
+          </p:cNvSpPr>
+          <p:nvPr>
+            <p:ph idx="1"/>
+          </p:nvPr>
+        </p:nvSpPr>
+        <p:spPr/>
+        <p:txBody>
+          <a:bodyPr/>
+          <a:lstStyle/>
+          <a:p>
+            <a:r>
+              <a:rPr lang="en-DE" dirty="0"/>
+              <a:t>Smart City Scenario</a:t>
+            </a:r>
+          </a:p>
+          <a:p>
+            <a:r>
+              <a:rPr lang="en-DE" dirty="0"/>
+              <a:t>Comparison of Three Schedulers</a:t>
+            </a:r>
+          </a:p>
+          <a:p>
+            <a:pPr lvl="1"/>
+            <a:r>
+              <a:rPr lang="en-DE" i="1" dirty="0"/>
+              <a:t>Kube Scheduler</a:t>
+            </a:r>
+          </a:p>
+          <a:p>
+            <a:pPr lvl="1"/>
+            <a:r>
+              <a:rPr lang="en-DE" dirty="0"/>
+              <a:t>Network-based Scheduler</a:t>
+            </a:r>
+          </a:p>
+          <a:p>
+            <a:pPr lvl="1"/>
+            <a:r>
+              <a:rPr lang="en-DE" dirty="0"/>
+              <a:t>Random Scheduler</a:t>
+            </a:r>
+          </a:p>
+          <a:p>
+            <a:endParaRPr lang="en-DE" dirty="0"/>
+          </a:p>
+        </p:txBody>
+      </p:sp>
+      <p:pic>
+        <p:nvPicPr>
+          <p:cNvPr id="5" name="Picture 4" descr="A picture containing screenshot, cabinet&#10;&#10;Description automatically generated">
+            <a:extLst>
+              <a:ext uri="{FF2B5EF4-FFF2-40B4-BE49-F238E27FC236}">
+                <a16:creationId xmlns:a16="http://schemas.microsoft.com/office/drawing/2014/main" id="{5BFD7BD4-4CEC-FC42-8A58-E3FAFABAA39E}"/>
+              </a:ext>
+            </a:extLst>
+          </p:cNvPr>
+          <p:cNvPicPr>
+            <a:picLocks noChangeAspect="1"/>
+          </p:cNvPicPr>
+          <p:nvPr/>
+        </p:nvPicPr>
+        <p:blipFill>
+          <a:blip r:embed="rId2">
+            <a:extLst>
+              <a:ext uri="{28A0092B-C50C-407E-A947-70E740481C1C}">
+                <a14:useLocalDpi xmlns:a14="http://schemas.microsoft.com/office/drawing/2010/main" val="0"/>
+              </a:ext>
+            </a:extLst>
+          </a:blip>
+          <a:stretch>
+            <a:fillRect/>
+          </a:stretch>
+        </p:blipFill>
+        <p:spPr>
+          <a:xfrm>
+            <a:off x="5652120" y="811464"/>
+            <a:ext cx="3470127" cy="5132136"/>
+          </a:xfrm>
+          <a:prstGeom prst="rect">
+            <a:avLst/>
+          </a:prstGeom>
+        </p:spPr>
+      </p:pic>
+      <p:pic>
+        <p:nvPicPr>
+          <p:cNvPr id="7" name="Picture 6" descr="A screenshot of a cell phone&#10;&#10;Description automatically generated">
+            <a:extLst>
+              <a:ext uri="{FF2B5EF4-FFF2-40B4-BE49-F238E27FC236}">
+                <a16:creationId xmlns:a16="http://schemas.microsoft.com/office/drawing/2014/main" id="{77890254-F47B-A643-8C46-488CC5A19BE5}"/>
+              </a:ext>
+            </a:extLst>
+          </p:cNvPr>
+          <p:cNvPicPr>
+            <a:picLocks noChangeAspect="1"/>
+          </p:cNvPicPr>
+          <p:nvPr/>
+        </p:nvPicPr>
+        <p:blipFill>
+          <a:blip r:embed="rId3">
+            <a:extLst>
+              <a:ext uri="{28A0092B-C50C-407E-A947-70E740481C1C}">
+                <a14:useLocalDpi xmlns:a14="http://schemas.microsoft.com/office/drawing/2010/main" val="0"/>
+              </a:ext>
+            </a:extLst>
+          </a:blip>
+          <a:stretch>
+            <a:fillRect/>
+          </a:stretch>
+        </p:blipFill>
+        <p:spPr>
+          <a:xfrm>
+            <a:off x="650082" y="4820598"/>
+            <a:ext cx="4641998" cy="984666"/>
+          </a:xfrm>
+          <a:prstGeom prst="rect">
+            <a:avLst/>
+          </a:prstGeom>
+        </p:spPr>
+      </p:pic>
+    </p:spTree>
+    <p:extLst>
+      <p:ext uri="{BB962C8B-B14F-4D97-AF65-F5344CB8AC3E}">
+        <p14:creationId xmlns:p14="http://schemas.microsoft.com/office/powerpoint/2010/main" val="2690771089"/>
+      </p:ext>
+    </p:extLst>
+  </p:cSld>
+  <p:clrMapOvr>
+    <a:masterClrMapping/>
+  </p:clrMapOvr>
+</p:sld>
+</file>
+
+<file path=ppt/slides/slide9.xml><?xml version="1.0" encoding="utf-8"?>
+<p:sld xmlns:a="http://schemas.openxmlformats.org/drawingml/2006/main" xmlns:r="http://schemas.openxmlformats.org/officeDocument/2006/relationships" xmlns:p="http://schemas.openxmlformats.org/presentationml/2006/main">
+  <p:cSld>
+    <p:spTree>
+      <p:nvGrpSpPr>
+        <p:cNvPr id="1" name=""/>
+        <p:cNvGrpSpPr/>
+        <p:nvPr/>
+      </p:nvGrpSpPr>
+      <p:grpSpPr>
+        <a:xfrm>
+          <a:off x="0" y="0"/>
+          <a:ext cx="0" cy="0"/>
+          <a:chOff x="0" y="0"/>
+          <a:chExt cx="0" cy="0"/>
+        </a:xfrm>
+      </p:grpSpPr>
+      <p:sp>
+        <p:nvSpPr>
+          <p:cNvPr id="2" name="Title 1">
+            <a:extLst>
+              <a:ext uri="{FF2B5EF4-FFF2-40B4-BE49-F238E27FC236}">
+                <a16:creationId xmlns:a16="http://schemas.microsoft.com/office/drawing/2014/main" id="{BBA30D2F-C8B3-AD4A-8075-FB767E25C76F}"/>
+              </a:ext>
+            </a:extLst>
+          </p:cNvPr>
+          <p:cNvSpPr>
+            <a:spLocks noGrp="1"/>
+          </p:cNvSpPr>
+          <p:nvPr>
+            <p:ph type="title"/>
+          </p:nvPr>
+        </p:nvSpPr>
+        <p:spPr/>
+        <p:txBody>
+          <a:bodyPr/>
+          <a:lstStyle/>
+          <a:p>
+            <a:r>
+              <a:rPr lang="en-DE" dirty="0"/>
+              <a:t>Comparsion</a:t>
+            </a:r>
+          </a:p>
+        </p:txBody>
+      </p:sp>
+      <p:sp>
+        <p:nvSpPr>
+          <p:cNvPr id="3" name="Content Placeholder 2">
+            <a:extLst>
+              <a:ext uri="{FF2B5EF4-FFF2-40B4-BE49-F238E27FC236}">
+                <a16:creationId xmlns:a16="http://schemas.microsoft.com/office/drawing/2014/main" id="{661B9DFE-713E-B04C-A9B1-DDD10F8FA7CE}"/>
+              </a:ext>
+            </a:extLst>
+          </p:cNvPr>
+          <p:cNvSpPr>
+            <a:spLocks noGrp="1"/>
+          </p:cNvSpPr>
+          <p:nvPr>
+            <p:ph idx="1"/>
+          </p:nvPr>
+        </p:nvSpPr>
+        <p:spPr/>
+        <p:txBody>
+          <a:bodyPr/>
+          <a:lstStyle/>
+          <a:p>
+            <a:r>
+              <a:rPr lang="en-DE" dirty="0"/>
+              <a:t>Based on Orchestrator</a:t>
+            </a:r>
+          </a:p>
+          <a:p>
+            <a:pPr lvl="1"/>
+            <a:r>
+              <a:rPr lang="en-DE" dirty="0"/>
+              <a:t>Fogernetes</a:t>
+            </a:r>
+          </a:p>
+          <a:p>
+            <a:pPr lvl="1"/>
+            <a:r>
+              <a:rPr lang="en-DE" dirty="0"/>
+              <a:t>Docker Swarm</a:t>
+            </a:r>
+          </a:p>
+          <a:p>
+            <a:r>
+              <a:rPr lang="en-DE" dirty="0"/>
+              <a:t>Based on Scheduling Techniques</a:t>
+            </a:r>
+          </a:p>
+          <a:p>
+            <a:pPr lvl="1"/>
+            <a:r>
+              <a:rPr lang="en-DE" dirty="0"/>
+              <a:t>Technique One [paper ref]</a:t>
+            </a:r>
+          </a:p>
+          <a:p>
+            <a:pPr lvl="1"/>
+            <a:r>
+              <a:rPr lang="en-DE" dirty="0"/>
+              <a:t>Techniques Two [paper ref]</a:t>
+            </a:r>
+          </a:p>
+          <a:p>
+            <a:pPr lvl="1"/>
+            <a:endParaRPr lang="en-DE" dirty="0"/>
+          </a:p>
+        </p:txBody>
+      </p:sp>
+    </p:spTree>
+    <p:extLst>
+      <p:ext uri="{BB962C8B-B14F-4D97-AF65-F5344CB8AC3E}">
+        <p14:creationId xmlns:p14="http://schemas.microsoft.com/office/powerpoint/2010/main" val="3010451804"/>
       </p:ext>
     </p:extLst>
   </p:cSld>

--- a/Final_submission/presentation_draft.pptx
+++ b/Final_submission/presentation_draft.pptx
@@ -5,25 +5,31 @@
     <p:sldMasterId id="2147483663" r:id="rId1"/>
   </p:sldMasterIdLst>
   <p:notesMasterIdLst>
-    <p:notesMasterId r:id="rId13"/>
+    <p:notesMasterId r:id="rId19"/>
   </p:notesMasterIdLst>
   <p:sldIdLst>
     <p:sldId id="256" r:id="rId2"/>
     <p:sldId id="257" r:id="rId3"/>
-    <p:sldId id="258" r:id="rId4"/>
-    <p:sldId id="259" r:id="rId5"/>
-    <p:sldId id="260" r:id="rId6"/>
-    <p:sldId id="261" r:id="rId7"/>
-    <p:sldId id="262" r:id="rId8"/>
-    <p:sldId id="263" r:id="rId9"/>
-    <p:sldId id="264" r:id="rId10"/>
-    <p:sldId id="265" r:id="rId11"/>
-    <p:sldId id="266" r:id="rId12"/>
+    <p:sldId id="267" r:id="rId4"/>
+    <p:sldId id="258" r:id="rId5"/>
+    <p:sldId id="268" r:id="rId6"/>
+    <p:sldId id="259" r:id="rId7"/>
+    <p:sldId id="269" r:id="rId8"/>
+    <p:sldId id="260" r:id="rId9"/>
+    <p:sldId id="270" r:id="rId10"/>
+    <p:sldId id="271" r:id="rId11"/>
+    <p:sldId id="261" r:id="rId12"/>
+    <p:sldId id="272" r:id="rId13"/>
+    <p:sldId id="273" r:id="rId14"/>
+    <p:sldId id="263" r:id="rId15"/>
+    <p:sldId id="264" r:id="rId16"/>
+    <p:sldId id="265" r:id="rId17"/>
+    <p:sldId id="266" r:id="rId18"/>
   </p:sldIdLst>
   <p:sldSz cx="9144000" cy="6858000" type="screen4x3"/>
   <p:notesSz cx="10234613" cy="7099300"/>
   <p:custDataLst>
-    <p:tags r:id="rId14"/>
+    <p:tags r:id="rId20"/>
   </p:custDataLst>
   <p:defaultTextStyle>
     <a:defPPr>
@@ -264,7 +270,7 @@
           <a:effectLst/>
           <a:extLst>
             <a:ext uri="{91240B29-F687-4f45-9708-019B960494DF}">
-              <a14:hiddenLine xmlns="" xmlns:a14="http://schemas.microsoft.com/office/drawing/2010/main" w="9525">
+              <a14:hiddenLine xmlns:a14="http://schemas.microsoft.com/office/drawing/2010/main" xmlns="" w="9525">
                 <a:solidFill>
                   <a:srgbClr val="000000"/>
                 </a:solidFill>
@@ -274,7 +280,7 @@
               </a14:hiddenLine>
             </a:ext>
             <a:ext uri="{AF507438-7753-43e0-B8FC-AC1667EBCBE1}">
-              <a14:hiddenEffects xmlns="" xmlns:a14="http://schemas.microsoft.com/office/drawing/2010/main">
+              <a14:hiddenEffects xmlns:a14="http://schemas.microsoft.com/office/drawing/2010/main" xmlns="">
                 <a:effectLst>
                   <a:outerShdw dist="35921" dir="2700000" algn="ctr" rotWithShape="0">
                     <a:srgbClr val="808080"/>
@@ -317,14 +323,14 @@
           <a:effectLst/>
           <a:extLst>
             <a:ext uri="{909E8E84-426E-40dd-AFC4-6F175D3DCCD1}">
-              <a14:hiddenFill xmlns="" xmlns:a14="http://schemas.microsoft.com/office/drawing/2010/main">
+              <a14:hiddenFill xmlns:a14="http://schemas.microsoft.com/office/drawing/2010/main" xmlns="">
                 <a:solidFill>
                   <a:srgbClr val="FFFFFF"/>
                 </a:solidFill>
               </a14:hiddenFill>
             </a:ext>
             <a:ext uri="{91240B29-F687-4f45-9708-019B960494DF}">
-              <a14:hiddenLine xmlns="" xmlns:a14="http://schemas.microsoft.com/office/drawing/2010/main" w="9525">
+              <a14:hiddenLine xmlns:a14="http://schemas.microsoft.com/office/drawing/2010/main" xmlns="" w="9525">
                 <a:solidFill>
                   <a:srgbClr val="000000"/>
                 </a:solidFill>
@@ -334,7 +340,7 @@
               </a14:hiddenLine>
             </a:ext>
             <a:ext uri="{AF507438-7753-43e0-B8FC-AC1667EBCBE1}">
-              <a14:hiddenEffects xmlns="" xmlns:a14="http://schemas.microsoft.com/office/drawing/2010/main">
+              <a14:hiddenEffects xmlns:a14="http://schemas.microsoft.com/office/drawing/2010/main" xmlns="">
                 <a:effectLst>
                   <a:outerShdw dist="35921" dir="2700000" algn="ctr" rotWithShape="0">
                     <a:schemeClr val="bg2"/>
@@ -402,14 +408,14 @@
           <a:effectLst/>
           <a:extLst>
             <a:ext uri="{909E8E84-426E-40dd-AFC4-6F175D3DCCD1}">
-              <a14:hiddenFill xmlns="" xmlns:a14="http://schemas.microsoft.com/office/drawing/2010/main">
+              <a14:hiddenFill xmlns:a14="http://schemas.microsoft.com/office/drawing/2010/main" xmlns="">
                 <a:solidFill>
                   <a:srgbClr val="FFFFFF"/>
                 </a:solidFill>
               </a14:hiddenFill>
             </a:ext>
             <a:ext uri="{91240B29-F687-4f45-9708-019B960494DF}">
-              <a14:hiddenLine xmlns="" xmlns:a14="http://schemas.microsoft.com/office/drawing/2010/main" w="9525">
+              <a14:hiddenLine xmlns:a14="http://schemas.microsoft.com/office/drawing/2010/main" xmlns="" w="9525">
                 <a:solidFill>
                   <a:srgbClr val="000000"/>
                 </a:solidFill>
@@ -419,7 +425,7 @@
               </a14:hiddenLine>
             </a:ext>
             <a:ext uri="{AF507438-7753-43e0-B8FC-AC1667EBCBE1}">
-              <a14:hiddenEffects xmlns="" xmlns:a14="http://schemas.microsoft.com/office/drawing/2010/main">
+              <a14:hiddenEffects xmlns:a14="http://schemas.microsoft.com/office/drawing/2010/main" xmlns="">
                 <a:effectLst>
                   <a:outerShdw dist="35921" dir="2700000" algn="ctr" rotWithShape="0">
                     <a:schemeClr val="bg2"/>
@@ -487,14 +493,14 @@
           <a:effectLst/>
           <a:extLst>
             <a:ext uri="{909E8E84-426E-40dd-AFC4-6F175D3DCCD1}">
-              <a14:hiddenFill xmlns="" xmlns:a14="http://schemas.microsoft.com/office/drawing/2010/main">
+              <a14:hiddenFill xmlns:a14="http://schemas.microsoft.com/office/drawing/2010/main" xmlns="">
                 <a:solidFill>
                   <a:srgbClr val="FFFFFF"/>
                 </a:solidFill>
               </a14:hiddenFill>
             </a:ext>
             <a:ext uri="{91240B29-F687-4f45-9708-019B960494DF}">
-              <a14:hiddenLine xmlns="" xmlns:a14="http://schemas.microsoft.com/office/drawing/2010/main" w="9525">
+              <a14:hiddenLine xmlns:a14="http://schemas.microsoft.com/office/drawing/2010/main" xmlns="" w="9525">
                 <a:solidFill>
                   <a:srgbClr val="000000"/>
                 </a:solidFill>
@@ -504,7 +510,7 @@
               </a14:hiddenLine>
             </a:ext>
             <a:ext uri="{AF507438-7753-43e0-B8FC-AC1667EBCBE1}">
-              <a14:hiddenEffects xmlns="" xmlns:a14="http://schemas.microsoft.com/office/drawing/2010/main">
+              <a14:hiddenEffects xmlns:a14="http://schemas.microsoft.com/office/drawing/2010/main" xmlns="">
                 <a:effectLst>
                   <a:outerShdw dist="35921" dir="2700000" algn="ctr" rotWithShape="0">
                     <a:schemeClr val="bg2"/>
@@ -540,14 +546,14 @@
           <a:effectLst/>
           <a:extLst>
             <a:ext uri="{909E8E84-426E-40dd-AFC4-6F175D3DCCD1}">
-              <a14:hiddenFill xmlns="" xmlns:a14="http://schemas.microsoft.com/office/drawing/2010/main">
+              <a14:hiddenFill xmlns:a14="http://schemas.microsoft.com/office/drawing/2010/main" xmlns="">
                 <a:solidFill>
                   <a:srgbClr val="FFFFFF"/>
                 </a:solidFill>
               </a14:hiddenFill>
             </a:ext>
             <a:ext uri="{91240B29-F687-4f45-9708-019B960494DF}">
-              <a14:hiddenLine xmlns="" xmlns:a14="http://schemas.microsoft.com/office/drawing/2010/main" w="9525">
+              <a14:hiddenLine xmlns:a14="http://schemas.microsoft.com/office/drawing/2010/main" xmlns="" w="9525">
                 <a:solidFill>
                   <a:srgbClr val="000000"/>
                 </a:solidFill>
@@ -557,7 +563,7 @@
               </a14:hiddenLine>
             </a:ext>
             <a:ext uri="{AF507438-7753-43e0-B8FC-AC1667EBCBE1}">
-              <a14:hiddenEffects xmlns="" xmlns:a14="http://schemas.microsoft.com/office/drawing/2010/main">
+              <a14:hiddenEffects xmlns:a14="http://schemas.microsoft.com/office/drawing/2010/main" xmlns="">
                 <a:effectLst>
                   <a:outerShdw dist="35921" dir="2700000" algn="ctr" rotWithShape="0">
                     <a:schemeClr val="bg2"/>
@@ -605,14 +611,14 @@
           <a:effectLst/>
           <a:extLst>
             <a:ext uri="{909E8E84-426E-40dd-AFC4-6F175D3DCCD1}">
-              <a14:hiddenFill xmlns="" xmlns:a14="http://schemas.microsoft.com/office/drawing/2010/main">
+              <a14:hiddenFill xmlns:a14="http://schemas.microsoft.com/office/drawing/2010/main" xmlns="">
                 <a:solidFill>
                   <a:srgbClr val="FFFFFF"/>
                 </a:solidFill>
               </a14:hiddenFill>
             </a:ext>
             <a:ext uri="{91240B29-F687-4f45-9708-019B960494DF}">
-              <a14:hiddenLine xmlns="" xmlns:a14="http://schemas.microsoft.com/office/drawing/2010/main" w="9525">
+              <a14:hiddenLine xmlns:a14="http://schemas.microsoft.com/office/drawing/2010/main" xmlns="" w="9525">
                 <a:solidFill>
                   <a:srgbClr val="000000"/>
                 </a:solidFill>
@@ -622,7 +628,7 @@
               </a14:hiddenLine>
             </a:ext>
             <a:ext uri="{AF507438-7753-43e0-B8FC-AC1667EBCBE1}">
-              <a14:hiddenEffects xmlns="" xmlns:a14="http://schemas.microsoft.com/office/drawing/2010/main">
+              <a14:hiddenEffects xmlns:a14="http://schemas.microsoft.com/office/drawing/2010/main" xmlns="">
                 <a:effectLst>
                   <a:outerShdw dist="35921" dir="2700000" algn="ctr" rotWithShape="0">
                     <a:schemeClr val="bg2"/>
@@ -690,14 +696,14 @@
           <a:effectLst/>
           <a:extLst>
             <a:ext uri="{909E8E84-426E-40dd-AFC4-6F175D3DCCD1}">
-              <a14:hiddenFill xmlns="" xmlns:a14="http://schemas.microsoft.com/office/drawing/2010/main">
+              <a14:hiddenFill xmlns:a14="http://schemas.microsoft.com/office/drawing/2010/main" xmlns="">
                 <a:solidFill>
                   <a:srgbClr val="FFFFFF"/>
                 </a:solidFill>
               </a14:hiddenFill>
             </a:ext>
             <a:ext uri="{91240B29-F687-4f45-9708-019B960494DF}">
-              <a14:hiddenLine xmlns="" xmlns:a14="http://schemas.microsoft.com/office/drawing/2010/main" w="9525">
+              <a14:hiddenLine xmlns:a14="http://schemas.microsoft.com/office/drawing/2010/main" xmlns="" w="9525">
                 <a:solidFill>
                   <a:srgbClr val="000000"/>
                 </a:solidFill>
@@ -707,7 +713,7 @@
               </a14:hiddenLine>
             </a:ext>
             <a:ext uri="{AF507438-7753-43e0-B8FC-AC1667EBCBE1}">
-              <a14:hiddenEffects xmlns="" xmlns:a14="http://schemas.microsoft.com/office/drawing/2010/main">
+              <a14:hiddenEffects xmlns:a14="http://schemas.microsoft.com/office/drawing/2010/main" xmlns="">
                 <a:effectLst>
                   <a:outerShdw dist="35921" dir="2700000" algn="ctr" rotWithShape="0">
                     <a:schemeClr val="bg2"/>
@@ -1064,7 +1070,7 @@
             <a:fld id="{BFF4498B-9906-4E29-A50D-C532DB0FC8D2}" type="slidenum">
               <a:rPr lang="de-DE" smtClean="0"/>
               <a:pPr/>
-              <a:t>4</a:t>
+              <a:t>6</a:t>
             </a:fld>
             <a:endParaRPr lang="de-DE"/>
           </a:p>
@@ -4744,7 +4750,7 @@
           <p:cNvPr id="2" name="Title 1">
             <a:extLst>
               <a:ext uri="{FF2B5EF4-FFF2-40B4-BE49-F238E27FC236}">
-                <a16:creationId xmlns:a16="http://schemas.microsoft.com/office/drawing/2014/main" id="{15E05A02-1779-4B44-BC04-2E68E5C6579D}"/>
+                <a16:creationId xmlns:a16="http://schemas.microsoft.com/office/drawing/2014/main" id="{C45A4028-CB04-5F4C-94B7-2FFCF8FCF017}"/>
               </a:ext>
             </a:extLst>
           </p:cNvPr>
@@ -4762,7 +4768,7 @@
           <a:p>
             <a:r>
               <a:rPr lang="en-DE" dirty="0"/>
-              <a:t>Conclusion</a:t>
+              <a:t>How to Add New Scheduling Technique?</a:t>
             </a:r>
           </a:p>
         </p:txBody>
@@ -4772,7 +4778,7 @@
           <p:cNvPr id="3" name="Content Placeholder 2">
             <a:extLst>
               <a:ext uri="{FF2B5EF4-FFF2-40B4-BE49-F238E27FC236}">
-                <a16:creationId xmlns:a16="http://schemas.microsoft.com/office/drawing/2014/main" id="{5AFE2D61-D58E-5345-97F2-891D4EE6D6B3}"/>
+                <a16:creationId xmlns:a16="http://schemas.microsoft.com/office/drawing/2014/main" id="{0CA04644-979E-194E-A5C3-E6280FC3BDB3}"/>
               </a:ext>
             </a:extLst>
           </p:cNvPr>
@@ -4790,32 +4796,34 @@
           <a:p>
             <a:r>
               <a:rPr lang="en-DE" dirty="0"/>
-              <a:t>Conclusion </a:t>
+              <a:t>Building new scheduler from scratch</a:t>
+            </a:r>
+          </a:p>
+          <a:p>
+            <a:r>
+              <a:rPr lang="en-DE" dirty="0"/>
+              <a:t>Extending Kube Scheduler</a:t>
             </a:r>
           </a:p>
           <a:p>
             <a:pPr lvl="1"/>
             <a:r>
               <a:rPr lang="en-DE" dirty="0"/>
-              <a:t>Network-based Scheduler adds extra execution time</a:t>
+              <a:t>Adding new filters or priorities</a:t>
             </a:r>
           </a:p>
           <a:p>
             <a:pPr lvl="1"/>
             <a:r>
               <a:rPr lang="en-DE" dirty="0"/>
-              <a:t>Optimized technique considering default scheduler</a:t>
-            </a:r>
-          </a:p>
-          <a:p>
-            <a:pPr lvl="1"/>
-            <a:r>
-              <a:rPr lang="en-DE" dirty="0"/>
-              <a:t>Works along side the default scheduler</a:t>
-            </a:r>
-          </a:p>
-          <a:p>
-            <a:pPr lvl="1"/>
+              <a:t>Calling external scheduling process by </a:t>
+            </a:r>
+            <a:r>
+              <a:rPr lang="en-DE" i="1" dirty="0"/>
+              <a:t>Kube Scheduler</a:t>
+            </a:r>
+          </a:p>
+          <a:p>
             <a:endParaRPr lang="en-DE" dirty="0"/>
           </a:p>
         </p:txBody>
@@ -4823,7 +4831,7 @@
     </p:spTree>
     <p:extLst>
       <p:ext uri="{BB962C8B-B14F-4D97-AF65-F5344CB8AC3E}">
-        <p14:creationId xmlns:p14="http://schemas.microsoft.com/office/powerpoint/2010/main" val="2995853176"/>
+        <p14:creationId xmlns:p14="http://schemas.microsoft.com/office/powerpoint/2010/main" val="2179721832"/>
       </p:ext>
     </p:extLst>
   </p:cSld>
@@ -4855,7 +4863,7 @@
           <p:cNvPr id="2" name="Title 1">
             <a:extLst>
               <a:ext uri="{FF2B5EF4-FFF2-40B4-BE49-F238E27FC236}">
-                <a16:creationId xmlns:a16="http://schemas.microsoft.com/office/drawing/2014/main" id="{F438E8EF-4962-8042-8C93-8A91215050E9}"/>
+                <a16:creationId xmlns:a16="http://schemas.microsoft.com/office/drawing/2014/main" id="{065296B9-B4BE-D148-AE92-6F1D2B99BE6D}"/>
               </a:ext>
             </a:extLst>
           </p:cNvPr>
@@ -4873,7 +4881,7 @@
           <a:p>
             <a:r>
               <a:rPr lang="en-DE" dirty="0"/>
-              <a:t>References</a:t>
+              <a:t>Network-Based Scheduler</a:t>
             </a:r>
           </a:p>
         </p:txBody>
@@ -4883,7 +4891,7 @@
           <p:cNvPr id="3" name="Content Placeholder 2">
             <a:extLst>
               <a:ext uri="{FF2B5EF4-FFF2-40B4-BE49-F238E27FC236}">
-                <a16:creationId xmlns:a16="http://schemas.microsoft.com/office/drawing/2014/main" id="{B95AAB67-553F-5349-A3EC-1EA9200F7882}"/>
+                <a16:creationId xmlns:a16="http://schemas.microsoft.com/office/drawing/2014/main" id="{3E443E9C-BB5A-B943-93BA-383F0B415555}"/>
               </a:ext>
             </a:extLst>
           </p:cNvPr>
@@ -4901,284 +4909,78 @@
           <a:p>
             <a:r>
               <a:rPr lang="en-DE" dirty="0"/>
-              <a:t>Added after advisor reviews</a:t>
-            </a:r>
-          </a:p>
-        </p:txBody>
-      </p:sp>
-    </p:spTree>
-    <p:extLst>
-      <p:ext uri="{BB962C8B-B14F-4D97-AF65-F5344CB8AC3E}">
-        <p14:creationId xmlns:p14="http://schemas.microsoft.com/office/powerpoint/2010/main" val="2108283478"/>
-      </p:ext>
-    </p:extLst>
-  </p:cSld>
-  <p:clrMapOvr>
-    <a:masterClrMapping/>
-  </p:clrMapOvr>
-</p:sld>
-</file>
-
-<file path=ppt/slides/slide2.xml><?xml version="1.0" encoding="utf-8"?>
-<p:sld xmlns:a="http://schemas.openxmlformats.org/drawingml/2006/main" xmlns:r="http://schemas.openxmlformats.org/officeDocument/2006/relationships" xmlns:p="http://schemas.openxmlformats.org/presentationml/2006/main">
-  <p:cSld>
-    <p:spTree>
-      <p:nvGrpSpPr>
-        <p:cNvPr id="1" name=""/>
-        <p:cNvGrpSpPr/>
-        <p:nvPr/>
-      </p:nvGrpSpPr>
-      <p:grpSpPr>
-        <a:xfrm>
-          <a:off x="0" y="0"/>
-          <a:ext cx="0" cy="0"/>
-          <a:chOff x="0" y="0"/>
-          <a:chExt cx="0" cy="0"/>
-        </a:xfrm>
-      </p:grpSpPr>
-      <p:sp>
-        <p:nvSpPr>
-          <p:cNvPr id="2" name="Title 1">
+              <a:t>Implemented using Go Language</a:t>
+            </a:r>
+          </a:p>
+          <a:p>
+            <a:r>
+              <a:rPr lang="en-DE" dirty="0"/>
+              <a:t>Deployed as Pod with two container</a:t>
+            </a:r>
+          </a:p>
+          <a:p>
+            <a:pPr lvl="1"/>
+            <a:r>
+              <a:rPr lang="en-GB" dirty="0"/>
+              <a:t>E</a:t>
+            </a:r>
+            <a:r>
+              <a:rPr lang="en-DE" dirty="0"/>
+              <a:t>xtender</a:t>
+            </a:r>
+          </a:p>
+          <a:p>
+            <a:pPr lvl="1"/>
+            <a:r>
+              <a:rPr lang="en-GB" dirty="0"/>
+              <a:t>N</a:t>
+            </a:r>
+            <a:r>
+              <a:rPr lang="en-DE" dirty="0"/>
+              <a:t>etwork-scheduler</a:t>
+            </a:r>
+          </a:p>
+          <a:p>
+            <a:r>
+              <a:rPr lang="en-DE" dirty="0"/>
+              <a:t>Node Selection Criteria</a:t>
+            </a:r>
+          </a:p>
+          <a:p>
+            <a:pPr lvl="1"/>
+            <a:r>
+              <a:rPr lang="en-DE" dirty="0"/>
+              <a:t>Minimum Round Trip Time (RTT)</a:t>
+            </a:r>
+          </a:p>
+          <a:p>
+            <a:pPr lvl="1"/>
+            <a:r>
+              <a:rPr lang="en-DE" dirty="0"/>
+              <a:t>Enough Bandwidth support</a:t>
+            </a:r>
+          </a:p>
+          <a:p>
+            <a:pPr lvl="1"/>
+            <a:endParaRPr lang="en-DE" dirty="0"/>
+          </a:p>
+          <a:p>
+            <a:endParaRPr lang="en-DE" dirty="0"/>
+          </a:p>
+          <a:p>
+            <a:endParaRPr lang="en-DE" dirty="0"/>
+          </a:p>
+          <a:p>
+            <a:endParaRPr lang="en-DE" dirty="0"/>
+          </a:p>
+        </p:txBody>
+      </p:sp>
+      <p:pic>
+        <p:nvPicPr>
+          <p:cNvPr id="5" name="Picture 4" descr="A screenshot of a cell phone&#10;&#10;Description automatically generated">
             <a:extLst>
               <a:ext uri="{FF2B5EF4-FFF2-40B4-BE49-F238E27FC236}">
-                <a16:creationId xmlns:a16="http://schemas.microsoft.com/office/drawing/2014/main" id="{4883D8CC-25BB-5149-A725-1B449D5B318F}"/>
-              </a:ext>
-            </a:extLst>
-          </p:cNvPr>
-          <p:cNvSpPr>
-            <a:spLocks noGrp="1"/>
-          </p:cNvSpPr>
-          <p:nvPr>
-            <p:ph type="title"/>
-          </p:nvPr>
-        </p:nvSpPr>
-        <p:spPr/>
-        <p:txBody>
-          <a:bodyPr/>
-          <a:lstStyle/>
-          <a:p>
-            <a:r>
-              <a:rPr lang="en-DE" dirty="0"/>
-              <a:t>Outline</a:t>
-            </a:r>
-          </a:p>
-        </p:txBody>
-      </p:sp>
-      <p:sp>
-        <p:nvSpPr>
-          <p:cNvPr id="3" name="Content Placeholder 2">
-            <a:extLst>
-              <a:ext uri="{FF2B5EF4-FFF2-40B4-BE49-F238E27FC236}">
-                <a16:creationId xmlns:a16="http://schemas.microsoft.com/office/drawing/2014/main" id="{1C894083-A7AE-BB41-AED9-27E445199BE1}"/>
-              </a:ext>
-            </a:extLst>
-          </p:cNvPr>
-          <p:cNvSpPr>
-            <a:spLocks noGrp="1"/>
-          </p:cNvSpPr>
-          <p:nvPr>
-            <p:ph idx="1"/>
-          </p:nvPr>
-        </p:nvSpPr>
-        <p:spPr/>
-        <p:txBody>
-          <a:bodyPr/>
-          <a:lstStyle/>
-          <a:p>
-            <a:r>
-              <a:rPr lang="en-DE" dirty="0"/>
-              <a:t>What is IoT and Fog Computing?</a:t>
-            </a:r>
-          </a:p>
-          <a:p>
-            <a:r>
-              <a:rPr lang="en-DE" dirty="0"/>
-              <a:t>Why using Kubernetes for Fog Computing Applications?</a:t>
-            </a:r>
-          </a:p>
-          <a:p>
-            <a:r>
-              <a:rPr lang="en-DE" dirty="0"/>
-              <a:t>What are the main components of Kubernetes?</a:t>
-            </a:r>
-          </a:p>
-          <a:p>
-            <a:r>
-              <a:rPr lang="en-DE" dirty="0"/>
-              <a:t>How Kubernetes schedule resources and its darwbacks?</a:t>
-            </a:r>
-          </a:p>
-          <a:p>
-            <a:r>
-              <a:rPr lang="en-DE" dirty="0"/>
-              <a:t>New scheduling technique.</a:t>
-            </a:r>
-          </a:p>
-          <a:p>
-            <a:r>
-              <a:rPr lang="en-DE" dirty="0"/>
-              <a:t>Comparison of new scheduling technique with other solutions.</a:t>
-            </a:r>
-          </a:p>
-          <a:p>
-            <a:r>
-              <a:rPr lang="en-DE" dirty="0"/>
-              <a:t>Conclusion.</a:t>
-            </a:r>
-          </a:p>
-          <a:p>
-            <a:endParaRPr lang="en-DE" dirty="0"/>
-          </a:p>
-          <a:p>
-            <a:endParaRPr lang="en-DE" dirty="0"/>
-          </a:p>
-        </p:txBody>
-      </p:sp>
-    </p:spTree>
-    <p:extLst>
-      <p:ext uri="{BB962C8B-B14F-4D97-AF65-F5344CB8AC3E}">
-        <p14:creationId xmlns:p14="http://schemas.microsoft.com/office/powerpoint/2010/main" val="662607329"/>
-      </p:ext>
-    </p:extLst>
-  </p:cSld>
-  <p:clrMapOvr>
-    <a:masterClrMapping/>
-  </p:clrMapOvr>
-</p:sld>
-</file>
-
-<file path=ppt/slides/slide3.xml><?xml version="1.0" encoding="utf-8"?>
-<p:sld xmlns:a="http://schemas.openxmlformats.org/drawingml/2006/main" xmlns:r="http://schemas.openxmlformats.org/officeDocument/2006/relationships" xmlns:p="http://schemas.openxmlformats.org/presentationml/2006/main">
-  <p:cSld>
-    <p:spTree>
-      <p:nvGrpSpPr>
-        <p:cNvPr id="1" name=""/>
-        <p:cNvGrpSpPr/>
-        <p:nvPr/>
-      </p:nvGrpSpPr>
-      <p:grpSpPr>
-        <a:xfrm>
-          <a:off x="0" y="0"/>
-          <a:ext cx="0" cy="0"/>
-          <a:chOff x="0" y="0"/>
-          <a:chExt cx="0" cy="0"/>
-        </a:xfrm>
-      </p:grpSpPr>
-      <p:sp>
-        <p:nvSpPr>
-          <p:cNvPr id="2" name="Title 1">
-            <a:extLst>
-              <a:ext uri="{FF2B5EF4-FFF2-40B4-BE49-F238E27FC236}">
-                <a16:creationId xmlns:a16="http://schemas.microsoft.com/office/drawing/2014/main" id="{E7E1CA16-67FD-FC41-8E72-CBDDFDDDE12E}"/>
-              </a:ext>
-            </a:extLst>
-          </p:cNvPr>
-          <p:cNvSpPr>
-            <a:spLocks noGrp="1"/>
-          </p:cNvSpPr>
-          <p:nvPr>
-            <p:ph type="title"/>
-          </p:nvPr>
-        </p:nvSpPr>
-        <p:spPr/>
-        <p:txBody>
-          <a:bodyPr/>
-          <a:lstStyle/>
-          <a:p>
-            <a:r>
-              <a:rPr lang="en-DE" dirty="0"/>
-              <a:t>Fog Computing</a:t>
-            </a:r>
-          </a:p>
-        </p:txBody>
-      </p:sp>
-      <p:sp>
-        <p:nvSpPr>
-          <p:cNvPr id="3" name="Content Placeholder 2">
-            <a:extLst>
-              <a:ext uri="{FF2B5EF4-FFF2-40B4-BE49-F238E27FC236}">
-                <a16:creationId xmlns:a16="http://schemas.microsoft.com/office/drawing/2014/main" id="{3C709B07-8009-2C42-82FD-044E24F476BE}"/>
-              </a:ext>
-            </a:extLst>
-          </p:cNvPr>
-          <p:cNvSpPr>
-            <a:spLocks noGrp="1"/>
-          </p:cNvSpPr>
-          <p:nvPr>
-            <p:ph idx="1"/>
-          </p:nvPr>
-        </p:nvSpPr>
-        <p:spPr/>
-        <p:txBody>
-          <a:bodyPr/>
-          <a:lstStyle/>
-          <a:p>
-            <a:r>
-              <a:rPr lang="en-DE" dirty="0"/>
-              <a:t>Concept of Fog Compuing</a:t>
-            </a:r>
-          </a:p>
-          <a:p>
-            <a:r>
-              <a:rPr lang="en-DE" dirty="0"/>
-              <a:t>IoT based Applications</a:t>
-            </a:r>
-          </a:p>
-          <a:p>
-            <a:r>
-              <a:rPr lang="en-DE" dirty="0"/>
-              <a:t>IoT Application Resource:</a:t>
-            </a:r>
-          </a:p>
-          <a:p>
-            <a:pPr lvl="1"/>
-            <a:r>
-              <a:rPr lang="en-DE" dirty="0"/>
-              <a:t>VM</a:t>
-            </a:r>
-          </a:p>
-          <a:p>
-            <a:pPr lvl="1"/>
-            <a:r>
-              <a:rPr lang="en-DE" dirty="0"/>
-              <a:t>Containers</a:t>
-            </a:r>
-          </a:p>
-          <a:p>
-            <a:r>
-              <a:rPr lang="en-DE" dirty="0"/>
-              <a:t>Fog Computing vs Cloud Computing</a:t>
-            </a:r>
-          </a:p>
-          <a:p>
-            <a:pPr lvl="1"/>
-            <a:r>
-              <a:rPr lang="en-DE" dirty="0"/>
-              <a:t>Cloud: OpenStack, AWS</a:t>
-            </a:r>
-          </a:p>
-          <a:p>
-            <a:pPr lvl="1"/>
-            <a:r>
-              <a:rPr lang="en-DE" dirty="0"/>
-              <a:t>Containers: Kubernetes, Docker Swarn</a:t>
-            </a:r>
-          </a:p>
-          <a:p>
-            <a:pPr lvl="1"/>
-            <a:endParaRPr lang="en-DE" dirty="0"/>
-          </a:p>
-          <a:p>
-            <a:endParaRPr lang="en-DE" dirty="0"/>
-          </a:p>
-        </p:txBody>
-      </p:sp>
-      <p:pic>
-        <p:nvPicPr>
-          <p:cNvPr id="5" name="Picture 4" descr="A picture containing clock&#10;&#10;Description automatically generated">
-            <a:extLst>
-              <a:ext uri="{FF2B5EF4-FFF2-40B4-BE49-F238E27FC236}">
-                <a16:creationId xmlns:a16="http://schemas.microsoft.com/office/drawing/2014/main" id="{1B6E364D-CE5D-0A49-B21B-B5ACA8C04E26}"/>
+                <a16:creationId xmlns:a16="http://schemas.microsoft.com/office/drawing/2014/main" id="{90772246-0C91-964D-B2C9-05BACE67D45B}"/>
               </a:ext>
             </a:extLst>
           </p:cNvPr>
@@ -5201,8 +5003,8 @@
         </p:blipFill>
         <p:spPr>
           <a:xfrm>
-            <a:off x="5555208" y="987999"/>
-            <a:ext cx="3481288" cy="2080961"/>
+            <a:off x="4427984" y="4057954"/>
+            <a:ext cx="4484242" cy="1747309"/>
           </a:xfrm>
           <a:prstGeom prst="rect">
             <a:avLst/>
@@ -5212,7 +5014,7 @@
     </p:spTree>
     <p:extLst>
       <p:ext uri="{BB962C8B-B14F-4D97-AF65-F5344CB8AC3E}">
-        <p14:creationId xmlns:p14="http://schemas.microsoft.com/office/powerpoint/2010/main" val="2213453174"/>
+        <p14:creationId xmlns:p14="http://schemas.microsoft.com/office/powerpoint/2010/main" val="3144301980"/>
       </p:ext>
     </p:extLst>
   </p:cSld>
@@ -5222,9 +5024,19 @@
 </p:sld>
 </file>
 
-<file path=ppt/slides/slide4.xml><?xml version="1.0" encoding="utf-8"?>
+<file path=ppt/slides/slide12.xml><?xml version="1.0" encoding="utf-8"?>
 <p:sld xmlns:a="http://schemas.openxmlformats.org/drawingml/2006/main" xmlns:r="http://schemas.openxmlformats.org/officeDocument/2006/relationships" xmlns:p="http://schemas.openxmlformats.org/presentationml/2006/main">
   <p:cSld>
+    <p:bg>
+      <p:bgPr>
+        <a:solidFill>
+          <a:schemeClr val="bg1">
+            <a:alpha val="81000"/>
+          </a:schemeClr>
+        </a:solidFill>
+        <a:effectLst/>
+      </p:bgPr>
+    </p:bg>
     <p:spTree>
       <p:nvGrpSpPr>
         <p:cNvPr id="1" name=""/>
@@ -5244,7 +5056,7 @@
           <p:cNvPr id="2" name="Title 1">
             <a:extLst>
               <a:ext uri="{FF2B5EF4-FFF2-40B4-BE49-F238E27FC236}">
-                <a16:creationId xmlns:a16="http://schemas.microsoft.com/office/drawing/2014/main" id="{FE3458E9-4519-F547-BF17-06EF1272C810}"/>
+                <a16:creationId xmlns:a16="http://schemas.microsoft.com/office/drawing/2014/main" id="{DED1CBB0-1F32-C84B-9EEC-9EAF4DB2C825}"/>
               </a:ext>
             </a:extLst>
           </p:cNvPr>
@@ -5262,7 +5074,7 @@
           <a:p>
             <a:r>
               <a:rPr lang="en-DE" dirty="0"/>
-              <a:t>Kubernetes</a:t>
+              <a:t>Fog Computing Infrastructure</a:t>
             </a:r>
           </a:p>
         </p:txBody>
@@ -5272,7 +5084,7 @@
           <p:cNvPr id="3" name="Content Placeholder 2">
             <a:extLst>
               <a:ext uri="{FF2B5EF4-FFF2-40B4-BE49-F238E27FC236}">
-                <a16:creationId xmlns:a16="http://schemas.microsoft.com/office/drawing/2014/main" id="{D7A132A3-9EED-304A-B12B-20F078F8E48F}"/>
+                <a16:creationId xmlns:a16="http://schemas.microsoft.com/office/drawing/2014/main" id="{EF773301-31BA-384D-A146-E2634F82F60C}"/>
               </a:ext>
             </a:extLst>
           </p:cNvPr>
@@ -5289,99 +5101,52 @@
           <a:lstStyle/>
           <a:p>
             <a:r>
-              <a:rPr lang="en-GB" dirty="0"/>
-              <a:t>Architecture</a:t>
+              <a:rPr lang="en-DE" dirty="0"/>
+              <a:t>Labeling of Infrastructure using Affinity/Anti-Affinity rule</a:t>
+            </a:r>
+          </a:p>
+          <a:p>
+            <a:r>
+              <a:rPr lang="en-DE" dirty="0"/>
+              <a:t>Node labeling for resources</a:t>
             </a:r>
           </a:p>
           <a:p>
             <a:pPr lvl="1"/>
             <a:r>
-              <a:rPr lang="en-GB" dirty="0"/>
-              <a:t>Master Node</a:t>
+              <a:rPr lang="en-DE" dirty="0"/>
+              <a:t>Resource: CPU, Memory -&gt; {</a:t>
+            </a:r>
+            <a:r>
+              <a:rPr lang="en-DE" i="1" dirty="0"/>
+              <a:t>Min, High, Medium</a:t>
+            </a:r>
+            <a:r>
+              <a:rPr lang="en-DE" dirty="0"/>
+              <a:t>}</a:t>
             </a:r>
           </a:p>
           <a:p>
             <a:pPr lvl="1"/>
             <a:r>
-              <a:rPr lang="en-GB" dirty="0"/>
-              <a:t>Worker Node</a:t>
-            </a:r>
-          </a:p>
-          <a:p>
-            <a:r>
-              <a:rPr lang="en-GB" dirty="0"/>
-              <a:t>Main Components</a:t>
+              <a:rPr lang="en-DE" dirty="0"/>
+              <a:t>Device Type: {</a:t>
+            </a:r>
+            <a:r>
+              <a:rPr lang="en-DE" i="1" dirty="0"/>
+              <a:t>Fog, Cloud</a:t>
+            </a:r>
+            <a:r>
+              <a:rPr lang="en-DE" dirty="0"/>
+              <a:t>}</a:t>
             </a:r>
           </a:p>
           <a:p>
             <a:pPr lvl="1"/>
             <a:r>
-              <a:rPr lang="en-GB" i="1" dirty="0"/>
-              <a:t>Controller Manager</a:t>
-            </a:r>
-          </a:p>
-          <a:p>
-            <a:pPr lvl="1"/>
-            <a:r>
-              <a:rPr lang="en-GB" i="1" dirty="0" err="1"/>
-              <a:t>Kube</a:t>
-            </a:r>
-            <a:r>
-              <a:rPr lang="en-GB" i="1" dirty="0"/>
-              <a:t> Scheduler</a:t>
-            </a:r>
-          </a:p>
-          <a:p>
-            <a:pPr lvl="1"/>
-            <a:r>
-              <a:rPr lang="en-GB" i="1" dirty="0" err="1"/>
-              <a:t>Kubelets</a:t>
-            </a:r>
-            <a:endParaRPr lang="en-GB" i="1" dirty="0"/>
-          </a:p>
-          <a:p>
-            <a:pPr lvl="1"/>
-            <a:r>
-              <a:rPr lang="en-GB" i="1" dirty="0"/>
-              <a:t>Image Registry</a:t>
-            </a:r>
-          </a:p>
-          <a:p>
-            <a:r>
               <a:rPr lang="en-DE" dirty="0"/>
-              <a:t>Orchestration</a:t>
-            </a:r>
-          </a:p>
-          <a:p>
-            <a:pPr lvl="1"/>
-            <a:r>
-              <a:rPr lang="en-DE" dirty="0"/>
-              <a:t>Starting/stoping of applications</a:t>
-            </a:r>
-          </a:p>
-          <a:p>
-            <a:pPr lvl="1"/>
-            <a:r>
-              <a:rPr lang="en-DE" dirty="0"/>
-              <a:t>Scalabilty of applications</a:t>
-            </a:r>
-          </a:p>
-          <a:p>
-            <a:pPr lvl="1"/>
-            <a:r>
-              <a:rPr lang="en-DE" dirty="0"/>
-              <a:t>Load management</a:t>
-            </a:r>
-          </a:p>
-          <a:p>
-            <a:pPr lvl="1"/>
-            <a:r>
-              <a:rPr lang="en-DE" dirty="0"/>
-              <a:t>Health monitoring</a:t>
-            </a:r>
-          </a:p>
-          <a:p>
-            <a:endParaRPr lang="en-DE" dirty="0"/>
+              <a:t>Network delay: RTT tags</a:t>
+            </a:r>
           </a:p>
           <a:p>
             <a:endParaRPr lang="en-DE" dirty="0"/>
@@ -5390,233 +5155,10 @@
       </p:sp>
       <p:pic>
         <p:nvPicPr>
-          <p:cNvPr id="8" name="Picture 7" descr="A screenshot of a cell phone&#10;&#10;Description automatically generated">
+          <p:cNvPr id="4" name="Content Placeholder 4" descr="A close up of a map&#10;&#10;Description automatically generated">
             <a:extLst>
               <a:ext uri="{FF2B5EF4-FFF2-40B4-BE49-F238E27FC236}">
-                <a16:creationId xmlns:a16="http://schemas.microsoft.com/office/drawing/2014/main" id="{5A31AF95-C9FF-AB4E-99D5-D1B27B17B563}"/>
-              </a:ext>
-            </a:extLst>
-          </p:cNvPr>
-          <p:cNvPicPr>
-            <a:picLocks noChangeAspect="1"/>
-          </p:cNvPicPr>
-          <p:nvPr/>
-        </p:nvPicPr>
-        <p:blipFill>
-          <a:blip r:embed="rId3">
-            <a:extLst>
-              <a:ext uri="{28A0092B-C50C-407E-A947-70E740481C1C}">
-                <a14:useLocalDpi xmlns:a14="http://schemas.microsoft.com/office/drawing/2010/main" val="0"/>
-              </a:ext>
-            </a:extLst>
-          </a:blip>
-          <a:stretch>
-            <a:fillRect/>
-          </a:stretch>
-        </p:blipFill>
-        <p:spPr>
-          <a:xfrm>
-            <a:off x="6380154" y="2082552"/>
-            <a:ext cx="2771061" cy="3861048"/>
-          </a:xfrm>
-          <a:prstGeom prst="rect">
-            <a:avLst/>
-          </a:prstGeom>
-        </p:spPr>
-      </p:pic>
-    </p:spTree>
-    <p:extLst>
-      <p:ext uri="{BB962C8B-B14F-4D97-AF65-F5344CB8AC3E}">
-        <p14:creationId xmlns:p14="http://schemas.microsoft.com/office/powerpoint/2010/main" val="4257402017"/>
-      </p:ext>
-    </p:extLst>
-  </p:cSld>
-  <p:clrMapOvr>
-    <a:masterClrMapping/>
-  </p:clrMapOvr>
-</p:sld>
-</file>
-
-<file path=ppt/slides/slide5.xml><?xml version="1.0" encoding="utf-8"?>
-<p:sld xmlns:a="http://schemas.openxmlformats.org/drawingml/2006/main" xmlns:r="http://schemas.openxmlformats.org/officeDocument/2006/relationships" xmlns:p="http://schemas.openxmlformats.org/presentationml/2006/main">
-  <p:cSld>
-    <p:spTree>
-      <p:nvGrpSpPr>
-        <p:cNvPr id="1" name=""/>
-        <p:cNvGrpSpPr/>
-        <p:nvPr/>
-      </p:nvGrpSpPr>
-      <p:grpSpPr>
-        <a:xfrm>
-          <a:off x="0" y="0"/>
-          <a:ext cx="0" cy="0"/>
-          <a:chOff x="0" y="0"/>
-          <a:chExt cx="0" cy="0"/>
-        </a:xfrm>
-      </p:grpSpPr>
-      <p:sp>
-        <p:nvSpPr>
-          <p:cNvPr id="2" name="Title 1">
-            <a:extLst>
-              <a:ext uri="{FF2B5EF4-FFF2-40B4-BE49-F238E27FC236}">
-                <a16:creationId xmlns:a16="http://schemas.microsoft.com/office/drawing/2014/main" id="{7BC2FF45-4A67-F645-8277-A592CB3B6B8F}"/>
-              </a:ext>
-            </a:extLst>
-          </p:cNvPr>
-          <p:cNvSpPr>
-            <a:spLocks noGrp="1"/>
-          </p:cNvSpPr>
-          <p:nvPr>
-            <p:ph type="title"/>
-          </p:nvPr>
-        </p:nvSpPr>
-        <p:spPr/>
-        <p:txBody>
-          <a:bodyPr/>
-          <a:lstStyle/>
-          <a:p>
-            <a:r>
-              <a:rPr lang="en-DE" dirty="0"/>
-              <a:t>Kubernetes Resource Provisioning</a:t>
-            </a:r>
-          </a:p>
-        </p:txBody>
-      </p:sp>
-      <p:sp>
-        <p:nvSpPr>
-          <p:cNvPr id="3" name="Content Placeholder 2">
-            <a:extLst>
-              <a:ext uri="{FF2B5EF4-FFF2-40B4-BE49-F238E27FC236}">
-                <a16:creationId xmlns:a16="http://schemas.microsoft.com/office/drawing/2014/main" id="{363EEF46-E98F-E64E-8CF9-7F5F0371282B}"/>
-              </a:ext>
-            </a:extLst>
-          </p:cNvPr>
-          <p:cNvSpPr>
-            <a:spLocks noGrp="1"/>
-          </p:cNvSpPr>
-          <p:nvPr>
-            <p:ph idx="1"/>
-          </p:nvPr>
-        </p:nvSpPr>
-        <p:spPr/>
-        <p:txBody>
-          <a:bodyPr/>
-          <a:lstStyle/>
-          <a:p>
-            <a:r>
-              <a:rPr lang="en-DE" dirty="0"/>
-              <a:t>Default Scheduler: “</a:t>
-            </a:r>
-            <a:r>
-              <a:rPr lang="en-DE" i="1" dirty="0"/>
-              <a:t>Kube Scheduler</a:t>
-            </a:r>
-            <a:r>
-              <a:rPr lang="en-DE" dirty="0"/>
-              <a:t>”</a:t>
-            </a:r>
-          </a:p>
-          <a:p>
-            <a:r>
-              <a:rPr lang="en-DE" dirty="0"/>
-              <a:t>Used for </a:t>
-            </a:r>
-            <a:r>
-              <a:rPr lang="en-DE" i="1" dirty="0"/>
-              <a:t>Pod deployment across Worker Nodes</a:t>
-            </a:r>
-          </a:p>
-          <a:p>
-            <a:r>
-              <a:rPr lang="en-DE" i="1" dirty="0"/>
-              <a:t>Node selection criteria:</a:t>
-            </a:r>
-          </a:p>
-          <a:p>
-            <a:pPr lvl="1"/>
-            <a:r>
-              <a:rPr lang="en-DE" dirty="0"/>
-              <a:t>Node Filtering</a:t>
-            </a:r>
-          </a:p>
-          <a:p>
-            <a:pPr lvl="2"/>
-            <a:r>
-              <a:rPr lang="en-DE" i="1" dirty="0"/>
-              <a:t>PodFitsHostPorts</a:t>
-            </a:r>
-          </a:p>
-          <a:p>
-            <a:pPr lvl="2"/>
-            <a:r>
-              <a:rPr lang="en-DE" i="1" dirty="0"/>
-              <a:t>PodFitsResources</a:t>
-            </a:r>
-          </a:p>
-          <a:p>
-            <a:pPr lvl="2"/>
-            <a:r>
-              <a:rPr lang="en-GB" dirty="0"/>
-              <a:t>E</a:t>
-            </a:r>
-            <a:r>
-              <a:rPr lang="en-DE" dirty="0"/>
-              <a:t>tc.</a:t>
-            </a:r>
-          </a:p>
-          <a:p>
-            <a:pPr lvl="1"/>
-            <a:r>
-              <a:rPr lang="en-DE" dirty="0"/>
-              <a:t>Node Priority/Scoring</a:t>
-            </a:r>
-          </a:p>
-          <a:p>
-            <a:pPr lvl="2"/>
-            <a:r>
-              <a:rPr lang="en-DE" i="1" dirty="0"/>
-              <a:t>LeastRequestPriority</a:t>
-            </a:r>
-          </a:p>
-          <a:p>
-            <a:pPr lvl="2"/>
-            <a:r>
-              <a:rPr lang="en-DE" i="1" dirty="0"/>
-              <a:t>ImageLocalityPriority</a:t>
-            </a:r>
-          </a:p>
-          <a:p>
-            <a:pPr lvl="2"/>
-            <a:r>
-              <a:rPr lang="en-GB" dirty="0"/>
-              <a:t>E</a:t>
-            </a:r>
-            <a:r>
-              <a:rPr lang="en-DE" dirty="0"/>
-              <a:t>tc.</a:t>
-            </a:r>
-          </a:p>
-          <a:p>
-            <a:r>
-              <a:rPr lang="en-DE" dirty="0"/>
-              <a:t>Drawbacks</a:t>
-            </a:r>
-          </a:p>
-          <a:p>
-            <a:pPr lvl="1"/>
-            <a:r>
-              <a:rPr lang="en-DE" dirty="0"/>
-              <a:t>No network resources consideration</a:t>
-            </a:r>
-          </a:p>
-        </p:txBody>
-      </p:sp>
-      <p:pic>
-        <p:nvPicPr>
-          <p:cNvPr id="5" name="Picture 4" descr="A screenshot of a cell phone&#10;&#10;Description automatically generated">
-            <a:extLst>
-              <a:ext uri="{FF2B5EF4-FFF2-40B4-BE49-F238E27FC236}">
-                <a16:creationId xmlns:a16="http://schemas.microsoft.com/office/drawing/2014/main" id="{229C9C2A-1942-FB4B-9ED2-C41198621056}"/>
+                <a16:creationId xmlns:a16="http://schemas.microsoft.com/office/drawing/2014/main" id="{9563A492-600E-184E-B4E3-028D3194ECD9}"/>
               </a:ext>
             </a:extLst>
           </p:cNvPr>
@@ -5637,30 +5179,622 @@
             <a:fillRect/>
           </a:stretch>
         </p:blipFill>
-        <p:spPr>
+        <p:spPr bwMode="auto">
           <a:xfrm>
-            <a:off x="5767186" y="2420888"/>
-            <a:ext cx="3176789" cy="3429001"/>
+            <a:off x="467544" y="836712"/>
+            <a:ext cx="7751779" cy="5268813"/>
           </a:xfrm>
           <a:prstGeom prst="rect">
             <a:avLst/>
           </a:prstGeom>
+          <a:noFill/>
+          <a:ln w="9525">
+            <a:noFill/>
+            <a:miter lim="800000"/>
+            <a:headEnd/>
+            <a:tailEnd/>
+          </a:ln>
         </p:spPr>
       </p:pic>
     </p:spTree>
     <p:extLst>
       <p:ext uri="{BB962C8B-B14F-4D97-AF65-F5344CB8AC3E}">
-        <p14:creationId xmlns:p14="http://schemas.microsoft.com/office/powerpoint/2010/main" val="1211020671"/>
+        <p14:creationId xmlns:p14="http://schemas.microsoft.com/office/powerpoint/2010/main" val="3189366006"/>
       </p:ext>
     </p:extLst>
   </p:cSld>
   <p:clrMapOvr>
     <a:masterClrMapping/>
   </p:clrMapOvr>
+  <p:timing>
+    <p:tnLst>
+      <p:par>
+        <p:cTn id="1" dur="indefinite" restart="never" nodeType="tmRoot">
+          <p:childTnLst>
+            <p:seq concurrent="1" nextAc="seek">
+              <p:cTn id="2" dur="indefinite" nodeType="mainSeq">
+                <p:childTnLst>
+                  <p:par>
+                    <p:cTn id="3" fill="hold">
+                      <p:stCondLst>
+                        <p:cond delay="indefinite"/>
+                      </p:stCondLst>
+                      <p:childTnLst>
+                        <p:par>
+                          <p:cTn id="4" fill="hold">
+                            <p:stCondLst>
+                              <p:cond delay="0"/>
+                            </p:stCondLst>
+                            <p:childTnLst>
+                              <p:par>
+                                <p:cTn id="5" presetID="2" presetClass="exit" presetSubtype="4" fill="hold" grpId="0" nodeType="clickEffect">
+                                  <p:stCondLst>
+                                    <p:cond delay="0"/>
+                                  </p:stCondLst>
+                                  <p:childTnLst>
+                                    <p:anim calcmode="lin" valueType="num">
+                                      <p:cBhvr additive="base">
+                                        <p:cTn id="6" dur="500"/>
+                                        <p:tgtEl>
+                                          <p:spTgt spid="3">
+                                            <p:txEl>
+                                              <p:pRg st="0" end="0"/>
+                                            </p:txEl>
+                                          </p:spTgt>
+                                        </p:tgtEl>
+                                        <p:attrNameLst>
+                                          <p:attrName>ppt_x</p:attrName>
+                                        </p:attrNameLst>
+                                      </p:cBhvr>
+                                      <p:tavLst>
+                                        <p:tav tm="0">
+                                          <p:val>
+                                            <p:strVal val="ppt_x"/>
+                                          </p:val>
+                                        </p:tav>
+                                        <p:tav tm="100000">
+                                          <p:val>
+                                            <p:strVal val="ppt_x"/>
+                                          </p:val>
+                                        </p:tav>
+                                      </p:tavLst>
+                                    </p:anim>
+                                    <p:anim calcmode="lin" valueType="num">
+                                      <p:cBhvr additive="base">
+                                        <p:cTn id="7" dur="500"/>
+                                        <p:tgtEl>
+                                          <p:spTgt spid="3">
+                                            <p:txEl>
+                                              <p:pRg st="0" end="0"/>
+                                            </p:txEl>
+                                          </p:spTgt>
+                                        </p:tgtEl>
+                                        <p:attrNameLst>
+                                          <p:attrName>ppt_y</p:attrName>
+                                        </p:attrNameLst>
+                                      </p:cBhvr>
+                                      <p:tavLst>
+                                        <p:tav tm="0">
+                                          <p:val>
+                                            <p:strVal val="ppt_y"/>
+                                          </p:val>
+                                        </p:tav>
+                                        <p:tav tm="100000">
+                                          <p:val>
+                                            <p:strVal val="1+ppt_h/2"/>
+                                          </p:val>
+                                        </p:tav>
+                                      </p:tavLst>
+                                    </p:anim>
+                                    <p:set>
+                                      <p:cBhvr>
+                                        <p:cTn id="8" dur="1" fill="hold">
+                                          <p:stCondLst>
+                                            <p:cond delay="499"/>
+                                          </p:stCondLst>
+                                        </p:cTn>
+                                        <p:tgtEl>
+                                          <p:spTgt spid="3">
+                                            <p:txEl>
+                                              <p:pRg st="0" end="0"/>
+                                            </p:txEl>
+                                          </p:spTgt>
+                                        </p:tgtEl>
+                                        <p:attrNameLst>
+                                          <p:attrName>style.visibility</p:attrName>
+                                        </p:attrNameLst>
+                                      </p:cBhvr>
+                                      <p:to>
+                                        <p:strVal val="hidden"/>
+                                      </p:to>
+                                    </p:set>
+                                  </p:childTnLst>
+                                </p:cTn>
+                              </p:par>
+                            </p:childTnLst>
+                          </p:cTn>
+                        </p:par>
+                      </p:childTnLst>
+                    </p:cTn>
+                  </p:par>
+                  <p:par>
+                    <p:cTn id="9" fill="hold">
+                      <p:stCondLst>
+                        <p:cond delay="indefinite"/>
+                      </p:stCondLst>
+                      <p:childTnLst>
+                        <p:par>
+                          <p:cTn id="10" fill="hold">
+                            <p:stCondLst>
+                              <p:cond delay="0"/>
+                            </p:stCondLst>
+                            <p:childTnLst>
+                              <p:par>
+                                <p:cTn id="11" presetID="2" presetClass="exit" presetSubtype="4" fill="hold" grpId="0" nodeType="clickEffect">
+                                  <p:stCondLst>
+                                    <p:cond delay="0"/>
+                                  </p:stCondLst>
+                                  <p:childTnLst>
+                                    <p:anim calcmode="lin" valueType="num">
+                                      <p:cBhvr additive="base">
+                                        <p:cTn id="12" dur="500"/>
+                                        <p:tgtEl>
+                                          <p:spTgt spid="3">
+                                            <p:txEl>
+                                              <p:pRg st="1" end="1"/>
+                                            </p:txEl>
+                                          </p:spTgt>
+                                        </p:tgtEl>
+                                        <p:attrNameLst>
+                                          <p:attrName>ppt_x</p:attrName>
+                                        </p:attrNameLst>
+                                      </p:cBhvr>
+                                      <p:tavLst>
+                                        <p:tav tm="0">
+                                          <p:val>
+                                            <p:strVal val="ppt_x"/>
+                                          </p:val>
+                                        </p:tav>
+                                        <p:tav tm="100000">
+                                          <p:val>
+                                            <p:strVal val="ppt_x"/>
+                                          </p:val>
+                                        </p:tav>
+                                      </p:tavLst>
+                                    </p:anim>
+                                    <p:anim calcmode="lin" valueType="num">
+                                      <p:cBhvr additive="base">
+                                        <p:cTn id="13" dur="500"/>
+                                        <p:tgtEl>
+                                          <p:spTgt spid="3">
+                                            <p:txEl>
+                                              <p:pRg st="1" end="1"/>
+                                            </p:txEl>
+                                          </p:spTgt>
+                                        </p:tgtEl>
+                                        <p:attrNameLst>
+                                          <p:attrName>ppt_y</p:attrName>
+                                        </p:attrNameLst>
+                                      </p:cBhvr>
+                                      <p:tavLst>
+                                        <p:tav tm="0">
+                                          <p:val>
+                                            <p:strVal val="ppt_y"/>
+                                          </p:val>
+                                        </p:tav>
+                                        <p:tav tm="100000">
+                                          <p:val>
+                                            <p:strVal val="1+ppt_h/2"/>
+                                          </p:val>
+                                        </p:tav>
+                                      </p:tavLst>
+                                    </p:anim>
+                                    <p:set>
+                                      <p:cBhvr>
+                                        <p:cTn id="14" dur="1" fill="hold">
+                                          <p:stCondLst>
+                                            <p:cond delay="499"/>
+                                          </p:stCondLst>
+                                        </p:cTn>
+                                        <p:tgtEl>
+                                          <p:spTgt spid="3">
+                                            <p:txEl>
+                                              <p:pRg st="1" end="1"/>
+                                            </p:txEl>
+                                          </p:spTgt>
+                                        </p:tgtEl>
+                                        <p:attrNameLst>
+                                          <p:attrName>style.visibility</p:attrName>
+                                        </p:attrNameLst>
+                                      </p:cBhvr>
+                                      <p:to>
+                                        <p:strVal val="hidden"/>
+                                      </p:to>
+                                    </p:set>
+                                  </p:childTnLst>
+                                </p:cTn>
+                              </p:par>
+                              <p:par>
+                                <p:cTn id="15" presetID="2" presetClass="exit" presetSubtype="4" fill="hold" grpId="0" nodeType="withEffect">
+                                  <p:stCondLst>
+                                    <p:cond delay="0"/>
+                                  </p:stCondLst>
+                                  <p:childTnLst>
+                                    <p:anim calcmode="lin" valueType="num">
+                                      <p:cBhvr additive="base">
+                                        <p:cTn id="16" dur="500"/>
+                                        <p:tgtEl>
+                                          <p:spTgt spid="3">
+                                            <p:txEl>
+                                              <p:pRg st="2" end="2"/>
+                                            </p:txEl>
+                                          </p:spTgt>
+                                        </p:tgtEl>
+                                        <p:attrNameLst>
+                                          <p:attrName>ppt_x</p:attrName>
+                                        </p:attrNameLst>
+                                      </p:cBhvr>
+                                      <p:tavLst>
+                                        <p:tav tm="0">
+                                          <p:val>
+                                            <p:strVal val="ppt_x"/>
+                                          </p:val>
+                                        </p:tav>
+                                        <p:tav tm="100000">
+                                          <p:val>
+                                            <p:strVal val="ppt_x"/>
+                                          </p:val>
+                                        </p:tav>
+                                      </p:tavLst>
+                                    </p:anim>
+                                    <p:anim calcmode="lin" valueType="num">
+                                      <p:cBhvr additive="base">
+                                        <p:cTn id="17" dur="500"/>
+                                        <p:tgtEl>
+                                          <p:spTgt spid="3">
+                                            <p:txEl>
+                                              <p:pRg st="2" end="2"/>
+                                            </p:txEl>
+                                          </p:spTgt>
+                                        </p:tgtEl>
+                                        <p:attrNameLst>
+                                          <p:attrName>ppt_y</p:attrName>
+                                        </p:attrNameLst>
+                                      </p:cBhvr>
+                                      <p:tavLst>
+                                        <p:tav tm="0">
+                                          <p:val>
+                                            <p:strVal val="ppt_y"/>
+                                          </p:val>
+                                        </p:tav>
+                                        <p:tav tm="100000">
+                                          <p:val>
+                                            <p:strVal val="1+ppt_h/2"/>
+                                          </p:val>
+                                        </p:tav>
+                                      </p:tavLst>
+                                    </p:anim>
+                                    <p:set>
+                                      <p:cBhvr>
+                                        <p:cTn id="18" dur="1" fill="hold">
+                                          <p:stCondLst>
+                                            <p:cond delay="499"/>
+                                          </p:stCondLst>
+                                        </p:cTn>
+                                        <p:tgtEl>
+                                          <p:spTgt spid="3">
+                                            <p:txEl>
+                                              <p:pRg st="2" end="2"/>
+                                            </p:txEl>
+                                          </p:spTgt>
+                                        </p:tgtEl>
+                                        <p:attrNameLst>
+                                          <p:attrName>style.visibility</p:attrName>
+                                        </p:attrNameLst>
+                                      </p:cBhvr>
+                                      <p:to>
+                                        <p:strVal val="hidden"/>
+                                      </p:to>
+                                    </p:set>
+                                  </p:childTnLst>
+                                </p:cTn>
+                              </p:par>
+                              <p:par>
+                                <p:cTn id="19" presetID="2" presetClass="exit" presetSubtype="4" fill="hold" grpId="0" nodeType="withEffect">
+                                  <p:stCondLst>
+                                    <p:cond delay="0"/>
+                                  </p:stCondLst>
+                                  <p:childTnLst>
+                                    <p:anim calcmode="lin" valueType="num">
+                                      <p:cBhvr additive="base">
+                                        <p:cTn id="20" dur="500"/>
+                                        <p:tgtEl>
+                                          <p:spTgt spid="3">
+                                            <p:txEl>
+                                              <p:pRg st="3" end="3"/>
+                                            </p:txEl>
+                                          </p:spTgt>
+                                        </p:tgtEl>
+                                        <p:attrNameLst>
+                                          <p:attrName>ppt_x</p:attrName>
+                                        </p:attrNameLst>
+                                      </p:cBhvr>
+                                      <p:tavLst>
+                                        <p:tav tm="0">
+                                          <p:val>
+                                            <p:strVal val="ppt_x"/>
+                                          </p:val>
+                                        </p:tav>
+                                        <p:tav tm="100000">
+                                          <p:val>
+                                            <p:strVal val="ppt_x"/>
+                                          </p:val>
+                                        </p:tav>
+                                      </p:tavLst>
+                                    </p:anim>
+                                    <p:anim calcmode="lin" valueType="num">
+                                      <p:cBhvr additive="base">
+                                        <p:cTn id="21" dur="500"/>
+                                        <p:tgtEl>
+                                          <p:spTgt spid="3">
+                                            <p:txEl>
+                                              <p:pRg st="3" end="3"/>
+                                            </p:txEl>
+                                          </p:spTgt>
+                                        </p:tgtEl>
+                                        <p:attrNameLst>
+                                          <p:attrName>ppt_y</p:attrName>
+                                        </p:attrNameLst>
+                                      </p:cBhvr>
+                                      <p:tavLst>
+                                        <p:tav tm="0">
+                                          <p:val>
+                                            <p:strVal val="ppt_y"/>
+                                          </p:val>
+                                        </p:tav>
+                                        <p:tav tm="100000">
+                                          <p:val>
+                                            <p:strVal val="1+ppt_h/2"/>
+                                          </p:val>
+                                        </p:tav>
+                                      </p:tavLst>
+                                    </p:anim>
+                                    <p:set>
+                                      <p:cBhvr>
+                                        <p:cTn id="22" dur="1" fill="hold">
+                                          <p:stCondLst>
+                                            <p:cond delay="499"/>
+                                          </p:stCondLst>
+                                        </p:cTn>
+                                        <p:tgtEl>
+                                          <p:spTgt spid="3">
+                                            <p:txEl>
+                                              <p:pRg st="3" end="3"/>
+                                            </p:txEl>
+                                          </p:spTgt>
+                                        </p:tgtEl>
+                                        <p:attrNameLst>
+                                          <p:attrName>style.visibility</p:attrName>
+                                        </p:attrNameLst>
+                                      </p:cBhvr>
+                                      <p:to>
+                                        <p:strVal val="hidden"/>
+                                      </p:to>
+                                    </p:set>
+                                  </p:childTnLst>
+                                </p:cTn>
+                              </p:par>
+                              <p:par>
+                                <p:cTn id="23" presetID="2" presetClass="exit" presetSubtype="4" fill="hold" grpId="0" nodeType="withEffect">
+                                  <p:stCondLst>
+                                    <p:cond delay="0"/>
+                                  </p:stCondLst>
+                                  <p:childTnLst>
+                                    <p:anim calcmode="lin" valueType="num">
+                                      <p:cBhvr additive="base">
+                                        <p:cTn id="24" dur="500"/>
+                                        <p:tgtEl>
+                                          <p:spTgt spid="3">
+                                            <p:txEl>
+                                              <p:pRg st="4" end="4"/>
+                                            </p:txEl>
+                                          </p:spTgt>
+                                        </p:tgtEl>
+                                        <p:attrNameLst>
+                                          <p:attrName>ppt_x</p:attrName>
+                                        </p:attrNameLst>
+                                      </p:cBhvr>
+                                      <p:tavLst>
+                                        <p:tav tm="0">
+                                          <p:val>
+                                            <p:strVal val="ppt_x"/>
+                                          </p:val>
+                                        </p:tav>
+                                        <p:tav tm="100000">
+                                          <p:val>
+                                            <p:strVal val="ppt_x"/>
+                                          </p:val>
+                                        </p:tav>
+                                      </p:tavLst>
+                                    </p:anim>
+                                    <p:anim calcmode="lin" valueType="num">
+                                      <p:cBhvr additive="base">
+                                        <p:cTn id="25" dur="500"/>
+                                        <p:tgtEl>
+                                          <p:spTgt spid="3">
+                                            <p:txEl>
+                                              <p:pRg st="4" end="4"/>
+                                            </p:txEl>
+                                          </p:spTgt>
+                                        </p:tgtEl>
+                                        <p:attrNameLst>
+                                          <p:attrName>ppt_y</p:attrName>
+                                        </p:attrNameLst>
+                                      </p:cBhvr>
+                                      <p:tavLst>
+                                        <p:tav tm="0">
+                                          <p:val>
+                                            <p:strVal val="ppt_y"/>
+                                          </p:val>
+                                        </p:tav>
+                                        <p:tav tm="100000">
+                                          <p:val>
+                                            <p:strVal val="1+ppt_h/2"/>
+                                          </p:val>
+                                        </p:tav>
+                                      </p:tavLst>
+                                    </p:anim>
+                                    <p:set>
+                                      <p:cBhvr>
+                                        <p:cTn id="26" dur="1" fill="hold">
+                                          <p:stCondLst>
+                                            <p:cond delay="499"/>
+                                          </p:stCondLst>
+                                        </p:cTn>
+                                        <p:tgtEl>
+                                          <p:spTgt spid="3">
+                                            <p:txEl>
+                                              <p:pRg st="4" end="4"/>
+                                            </p:txEl>
+                                          </p:spTgt>
+                                        </p:tgtEl>
+                                        <p:attrNameLst>
+                                          <p:attrName>style.visibility</p:attrName>
+                                        </p:attrNameLst>
+                                      </p:cBhvr>
+                                      <p:to>
+                                        <p:strVal val="hidden"/>
+                                      </p:to>
+                                    </p:set>
+                                  </p:childTnLst>
+                                </p:cTn>
+                              </p:par>
+                            </p:childTnLst>
+                          </p:cTn>
+                        </p:par>
+                      </p:childTnLst>
+                    </p:cTn>
+                  </p:par>
+                  <p:par>
+                    <p:cTn id="27" fill="hold">
+                      <p:stCondLst>
+                        <p:cond delay="indefinite"/>
+                      </p:stCondLst>
+                      <p:childTnLst>
+                        <p:par>
+                          <p:cTn id="28" fill="hold">
+                            <p:stCondLst>
+                              <p:cond delay="0"/>
+                            </p:stCondLst>
+                            <p:childTnLst>
+                              <p:par>
+                                <p:cTn id="29" presetID="2" presetClass="entr" presetSubtype="4" fill="hold" nodeType="clickEffect">
+                                  <p:stCondLst>
+                                    <p:cond delay="0"/>
+                                  </p:stCondLst>
+                                  <p:childTnLst>
+                                    <p:set>
+                                      <p:cBhvr>
+                                        <p:cTn id="30" dur="1" fill="hold">
+                                          <p:stCondLst>
+                                            <p:cond delay="0"/>
+                                          </p:stCondLst>
+                                        </p:cTn>
+                                        <p:tgtEl>
+                                          <p:spTgt spid="4"/>
+                                        </p:tgtEl>
+                                        <p:attrNameLst>
+                                          <p:attrName>style.visibility</p:attrName>
+                                        </p:attrNameLst>
+                                      </p:cBhvr>
+                                      <p:to>
+                                        <p:strVal val="visible"/>
+                                      </p:to>
+                                    </p:set>
+                                    <p:anim calcmode="lin" valueType="num">
+                                      <p:cBhvr additive="base">
+                                        <p:cTn id="31" dur="500" fill="hold"/>
+                                        <p:tgtEl>
+                                          <p:spTgt spid="4"/>
+                                        </p:tgtEl>
+                                        <p:attrNameLst>
+                                          <p:attrName>ppt_x</p:attrName>
+                                        </p:attrNameLst>
+                                      </p:cBhvr>
+                                      <p:tavLst>
+                                        <p:tav tm="0">
+                                          <p:val>
+                                            <p:strVal val="#ppt_x"/>
+                                          </p:val>
+                                        </p:tav>
+                                        <p:tav tm="100000">
+                                          <p:val>
+                                            <p:strVal val="#ppt_x"/>
+                                          </p:val>
+                                        </p:tav>
+                                      </p:tavLst>
+                                    </p:anim>
+                                    <p:anim calcmode="lin" valueType="num">
+                                      <p:cBhvr additive="base">
+                                        <p:cTn id="32" dur="500" fill="hold"/>
+                                        <p:tgtEl>
+                                          <p:spTgt spid="4"/>
+                                        </p:tgtEl>
+                                        <p:attrNameLst>
+                                          <p:attrName>ppt_y</p:attrName>
+                                        </p:attrNameLst>
+                                      </p:cBhvr>
+                                      <p:tavLst>
+                                        <p:tav tm="0">
+                                          <p:val>
+                                            <p:strVal val="1+#ppt_h/2"/>
+                                          </p:val>
+                                        </p:tav>
+                                        <p:tav tm="100000">
+                                          <p:val>
+                                            <p:strVal val="#ppt_y"/>
+                                          </p:val>
+                                        </p:tav>
+                                      </p:tavLst>
+                                    </p:anim>
+                                  </p:childTnLst>
+                                </p:cTn>
+                              </p:par>
+                            </p:childTnLst>
+                          </p:cTn>
+                        </p:par>
+                      </p:childTnLst>
+                    </p:cTn>
+                  </p:par>
+                </p:childTnLst>
+              </p:cTn>
+              <p:prevCondLst>
+                <p:cond evt="onPrev" delay="0">
+                  <p:tgtEl>
+                    <p:sldTgt/>
+                  </p:tgtEl>
+                </p:cond>
+              </p:prevCondLst>
+              <p:nextCondLst>
+                <p:cond evt="onNext" delay="0">
+                  <p:tgtEl>
+                    <p:sldTgt/>
+                  </p:tgtEl>
+                </p:cond>
+              </p:nextCondLst>
+            </p:seq>
+          </p:childTnLst>
+        </p:cTn>
+      </p:par>
+    </p:tnLst>
+    <p:bldLst>
+      <p:bldP spid="3" grpId="0" uiExpand="1" build="p"/>
+    </p:bldLst>
+  </p:timing>
 </p:sld>
 </file>
 
-<file path=ppt/slides/slide6.xml><?xml version="1.0" encoding="utf-8"?>
+<file path=ppt/slides/slide13.xml><?xml version="1.0" encoding="utf-8"?>
 <p:sld xmlns:a="http://schemas.openxmlformats.org/drawingml/2006/main" xmlns:r="http://schemas.openxmlformats.org/officeDocument/2006/relationships" xmlns:p="http://schemas.openxmlformats.org/presentationml/2006/main">
   <p:cSld>
     <p:spTree>
@@ -5679,10 +5813,10 @@
       </p:grpSpPr>
       <p:sp>
         <p:nvSpPr>
-          <p:cNvPr id="2" name="Title 1">
+          <p:cNvPr id="3" name="Content Placeholder 2">
             <a:extLst>
               <a:ext uri="{FF2B5EF4-FFF2-40B4-BE49-F238E27FC236}">
-                <a16:creationId xmlns:a16="http://schemas.microsoft.com/office/drawing/2014/main" id="{065296B9-B4BE-D148-AE92-6F1D2B99BE6D}"/>
+                <a16:creationId xmlns:a16="http://schemas.microsoft.com/office/drawing/2014/main" id="{A92CAB1E-7ACF-D747-BBDB-C60A7D69461B}"/>
               </a:ext>
             </a:extLst>
           </p:cNvPr>
@@ -5690,7 +5824,7 @@
             <a:spLocks noGrp="1"/>
           </p:cNvSpPr>
           <p:nvPr>
-            <p:ph type="title"/>
+            <p:ph idx="1"/>
           </p:nvPr>
         </p:nvSpPr>
         <p:spPr/>
@@ -5698,150 +5832,50 @@
           <a:bodyPr/>
           <a:lstStyle/>
           <a:p>
-            <a:r>
-              <a:rPr lang="en-DE" dirty="0"/>
-              <a:t>Network-Based Scheduler</a:t>
-            </a:r>
-          </a:p>
-        </p:txBody>
-      </p:sp>
-      <p:sp>
-        <p:nvSpPr>
-          <p:cNvPr id="3" name="Content Placeholder 2">
-            <a:extLst>
-              <a:ext uri="{FF2B5EF4-FFF2-40B4-BE49-F238E27FC236}">
-                <a16:creationId xmlns:a16="http://schemas.microsoft.com/office/drawing/2014/main" id="{3E443E9C-BB5A-B943-93BA-383F0B415555}"/>
-              </a:ext>
-            </a:extLst>
-          </p:cNvPr>
-          <p:cNvSpPr>
-            <a:spLocks noGrp="1"/>
-          </p:cNvSpPr>
-          <p:nvPr>
-            <p:ph idx="1"/>
-          </p:nvPr>
-        </p:nvSpPr>
-        <p:spPr/>
-        <p:txBody>
-          <a:bodyPr/>
-          <a:lstStyle/>
-          <a:p>
-            <a:r>
-              <a:rPr lang="en-DE" dirty="0"/>
-              <a:t>Extending </a:t>
-            </a:r>
-            <a:r>
-              <a:rPr lang="en-DE" i="1" dirty="0"/>
-              <a:t>Kube Scheduler</a:t>
-            </a:r>
-          </a:p>
-          <a:p>
-            <a:pPr lvl="1"/>
-            <a:r>
-              <a:rPr lang="en-DE" dirty="0"/>
-              <a:t>Adding new filters or priorities</a:t>
-            </a:r>
-          </a:p>
-          <a:p>
-            <a:pPr lvl="1"/>
-            <a:r>
-              <a:rPr lang="en-DE" dirty="0"/>
-              <a:t>Building new scheduler from scratch</a:t>
-            </a:r>
-          </a:p>
-          <a:p>
-            <a:pPr lvl="1"/>
-            <a:r>
-              <a:rPr lang="en-DE" dirty="0"/>
-              <a:t>Calling external scheduling process by </a:t>
-            </a:r>
-            <a:r>
-              <a:rPr lang="en-DE" i="1" dirty="0"/>
-              <a:t>Kube Scheduler</a:t>
-            </a:r>
-          </a:p>
-          <a:p>
-            <a:pPr lvl="1"/>
-            <a:endParaRPr lang="en-DE" i="1" dirty="0"/>
-          </a:p>
-          <a:p>
-            <a:r>
-              <a:rPr lang="en-DE" dirty="0"/>
-              <a:t>Uses “Affinity/Anti-Affinity rule”</a:t>
-            </a:r>
-          </a:p>
-          <a:p>
-            <a:r>
-              <a:rPr lang="en-DE" dirty="0"/>
-              <a:t>Uses Node labeling for resources</a:t>
-            </a:r>
-          </a:p>
-          <a:p>
-            <a:pPr lvl="1"/>
-            <a:r>
-              <a:rPr lang="en-DE" dirty="0"/>
-              <a:t>Resource: CPU, Memory -&gt; {</a:t>
-            </a:r>
-            <a:r>
-              <a:rPr lang="en-DE" i="1" dirty="0"/>
-              <a:t>Min, High, Medium</a:t>
-            </a:r>
-            <a:r>
-              <a:rPr lang="en-DE" dirty="0"/>
-              <a:t>}</a:t>
-            </a:r>
-          </a:p>
-          <a:p>
-            <a:pPr lvl="1"/>
-            <a:r>
-              <a:rPr lang="en-DE" dirty="0"/>
-              <a:t>Device Type: {</a:t>
-            </a:r>
-            <a:r>
-              <a:rPr lang="en-DE" i="1" dirty="0"/>
-              <a:t>Fog, Cloud</a:t>
-            </a:r>
-            <a:r>
-              <a:rPr lang="en-DE" dirty="0"/>
-              <a:t>}</a:t>
-            </a:r>
-          </a:p>
-          <a:p>
-            <a:pPr lvl="1"/>
-            <a:r>
-              <a:rPr lang="en-DE" dirty="0"/>
-              <a:t>Network delay: RTT tags</a:t>
-            </a:r>
-          </a:p>
-          <a:p>
-            <a:pPr marL="0" indent="0">
+            <a:pPr marL="0" indent="0" algn="ctr">
               <a:buNone/>
             </a:pPr>
             <a:endParaRPr lang="en-DE" dirty="0"/>
           </a:p>
           <a:p>
-            <a:pPr lvl="1"/>
+            <a:pPr marL="0" indent="0" algn="ctr">
+              <a:buNone/>
+            </a:pPr>
             <a:endParaRPr lang="en-DE" dirty="0"/>
           </a:p>
           <a:p>
-            <a:pPr lvl="1"/>
+            <a:pPr marL="0" indent="0" algn="ctr">
+              <a:buNone/>
+            </a:pPr>
             <a:endParaRPr lang="en-DE" dirty="0"/>
           </a:p>
           <a:p>
+            <a:pPr marL="0" indent="0" algn="ctr">
+              <a:buNone/>
+            </a:pPr>
             <a:endParaRPr lang="en-DE" dirty="0"/>
           </a:p>
           <a:p>
+            <a:pPr marL="0" indent="0" algn="ctr">
+              <a:buNone/>
+            </a:pPr>
             <a:endParaRPr lang="en-DE" dirty="0"/>
           </a:p>
           <a:p>
-            <a:endParaRPr lang="en-DE" dirty="0"/>
+            <a:pPr marL="0" indent="0" algn="ctr">
+              <a:buNone/>
+            </a:pPr>
+            <a:r>
+              <a:rPr lang="en-DE" dirty="0"/>
+              <a:t>Comparison of new scheduling technique with other solutions</a:t>
+            </a:r>
           </a:p>
         </p:txBody>
       </p:sp>
     </p:spTree>
     <p:extLst>
       <p:ext uri="{BB962C8B-B14F-4D97-AF65-F5344CB8AC3E}">
-        <p14:creationId xmlns:p14="http://schemas.microsoft.com/office/powerpoint/2010/main" val="3144301980"/>
+        <p14:creationId xmlns:p14="http://schemas.microsoft.com/office/powerpoint/2010/main" val="1907421183"/>
       </p:ext>
     </p:extLst>
   </p:cSld>
@@ -5851,7 +5885,7 @@
 </p:sld>
 </file>
 
-<file path=ppt/slides/slide7.xml><?xml version="1.0" encoding="utf-8"?>
+<file path=ppt/slides/slide14.xml><?xml version="1.0" encoding="utf-8"?>
 <p:sld xmlns:a="http://schemas.openxmlformats.org/drawingml/2006/main" xmlns:r="http://schemas.openxmlformats.org/officeDocument/2006/relationships" xmlns:p="http://schemas.openxmlformats.org/presentationml/2006/main">
   <p:cSld>
     <p:spTree>
@@ -5873,99 +5907,6 @@
           <p:cNvPr id="2" name="Title 1">
             <a:extLst>
               <a:ext uri="{FF2B5EF4-FFF2-40B4-BE49-F238E27FC236}">
-                <a16:creationId xmlns:a16="http://schemas.microsoft.com/office/drawing/2014/main" id="{A8C80E43-A60F-8047-B99A-1829F32C09DA}"/>
-              </a:ext>
-            </a:extLst>
-          </p:cNvPr>
-          <p:cNvSpPr>
-            <a:spLocks noGrp="1"/>
-          </p:cNvSpPr>
-          <p:nvPr>
-            <p:ph type="title"/>
-          </p:nvPr>
-        </p:nvSpPr>
-        <p:spPr/>
-        <p:txBody>
-          <a:bodyPr/>
-          <a:lstStyle/>
-          <a:p>
-            <a:r>
-              <a:rPr lang="en-DE" dirty="0"/>
-              <a:t>Fog Computing Infrastructure</a:t>
-            </a:r>
-          </a:p>
-        </p:txBody>
-      </p:sp>
-      <p:pic>
-        <p:nvPicPr>
-          <p:cNvPr id="5" name="Content Placeholder 4" descr="A close up of a map&#10;&#10;Description automatically generated">
-            <a:extLst>
-              <a:ext uri="{FF2B5EF4-FFF2-40B4-BE49-F238E27FC236}">
-                <a16:creationId xmlns:a16="http://schemas.microsoft.com/office/drawing/2014/main" id="{B6DC9677-9D59-9E48-8245-B852015D1025}"/>
-              </a:ext>
-            </a:extLst>
-          </p:cNvPr>
-          <p:cNvPicPr>
-            <a:picLocks noGrp="1" noChangeAspect="1"/>
-          </p:cNvPicPr>
-          <p:nvPr>
-            <p:ph idx="1"/>
-          </p:nvPr>
-        </p:nvPicPr>
-        <p:blipFill>
-          <a:blip r:embed="rId2">
-            <a:extLst>
-              <a:ext uri="{28A0092B-C50C-407E-A947-70E740481C1C}">
-                <a14:useLocalDpi xmlns:a14="http://schemas.microsoft.com/office/drawing/2010/main" val="0"/>
-              </a:ext>
-            </a:extLst>
-          </a:blip>
-          <a:stretch>
-            <a:fillRect/>
-          </a:stretch>
-        </p:blipFill>
-        <p:spPr>
-          <a:xfrm>
-            <a:off x="1043608" y="902171"/>
-            <a:ext cx="7026371" cy="5191125"/>
-          </a:xfrm>
-        </p:spPr>
-      </p:pic>
-    </p:spTree>
-    <p:extLst>
-      <p:ext uri="{BB962C8B-B14F-4D97-AF65-F5344CB8AC3E}">
-        <p14:creationId xmlns:p14="http://schemas.microsoft.com/office/powerpoint/2010/main" val="2366732184"/>
-      </p:ext>
-    </p:extLst>
-  </p:cSld>
-  <p:clrMapOvr>
-    <a:masterClrMapping/>
-  </p:clrMapOvr>
-</p:sld>
-</file>
-
-<file path=ppt/slides/slide8.xml><?xml version="1.0" encoding="utf-8"?>
-<p:sld xmlns:a="http://schemas.openxmlformats.org/drawingml/2006/main" xmlns:r="http://schemas.openxmlformats.org/officeDocument/2006/relationships" xmlns:p="http://schemas.openxmlformats.org/presentationml/2006/main">
-  <p:cSld>
-    <p:spTree>
-      <p:nvGrpSpPr>
-        <p:cNvPr id="1" name=""/>
-        <p:cNvGrpSpPr/>
-        <p:nvPr/>
-      </p:nvGrpSpPr>
-      <p:grpSpPr>
-        <a:xfrm>
-          <a:off x="0" y="0"/>
-          <a:ext cx="0" cy="0"/>
-          <a:chOff x="0" y="0"/>
-          <a:chExt cx="0" cy="0"/>
-        </a:xfrm>
-      </p:grpSpPr>
-      <p:sp>
-        <p:nvSpPr>
-          <p:cNvPr id="2" name="Title 1">
-            <a:extLst>
-              <a:ext uri="{FF2B5EF4-FFF2-40B4-BE49-F238E27FC236}">
                 <a16:creationId xmlns:a16="http://schemas.microsoft.com/office/drawing/2014/main" id="{B83074A1-1315-3049-88C6-A63F591AC8A7}"/>
               </a:ext>
             </a:extLst>
@@ -6016,6 +5957,13 @@
             </a:r>
           </a:p>
           <a:p>
+            <a:pPr lvl="1"/>
+            <a:r>
+              <a:rPr lang="en-DE" dirty="0"/>
+              <a:t>Collection of air quality data</a:t>
+            </a:r>
+          </a:p>
+          <a:p>
             <a:r>
               <a:rPr lang="en-DE" dirty="0"/>
               <a:t>Comparison of Three Schedulers</a:t>
@@ -6024,7 +5972,7 @@
           <a:p>
             <a:pPr lvl="1"/>
             <a:r>
-              <a:rPr lang="en-DE" i="1" dirty="0"/>
+              <a:rPr lang="en-DE" dirty="0"/>
               <a:t>Kube Scheduler</a:t>
             </a:r>
           </a:p>
@@ -6075,8 +6023,8 @@
         </p:blipFill>
         <p:spPr>
           <a:xfrm>
-            <a:off x="5652120" y="811464"/>
-            <a:ext cx="3470127" cy="5132136"/>
+            <a:off x="5518300" y="836711"/>
+            <a:ext cx="3603948" cy="5330051"/>
           </a:xfrm>
           <a:prstGeom prst="rect">
             <a:avLst/>
@@ -6132,6 +6080,1822 @@
 </p:sld>
 </file>
 
+<file path=ppt/slides/slide15.xml><?xml version="1.0" encoding="utf-8"?>
+<p:sld xmlns:a="http://schemas.openxmlformats.org/drawingml/2006/main" xmlns:r="http://schemas.openxmlformats.org/officeDocument/2006/relationships" xmlns:p="http://schemas.openxmlformats.org/presentationml/2006/main">
+  <p:cSld>
+    <p:spTree>
+      <p:nvGrpSpPr>
+        <p:cNvPr id="1" name=""/>
+        <p:cNvGrpSpPr/>
+        <p:nvPr/>
+      </p:nvGrpSpPr>
+      <p:grpSpPr>
+        <a:xfrm>
+          <a:off x="0" y="0"/>
+          <a:ext cx="0" cy="0"/>
+          <a:chOff x="0" y="0"/>
+          <a:chExt cx="0" cy="0"/>
+        </a:xfrm>
+      </p:grpSpPr>
+      <p:sp>
+        <p:nvSpPr>
+          <p:cNvPr id="2" name="Title 1">
+            <a:extLst>
+              <a:ext uri="{FF2B5EF4-FFF2-40B4-BE49-F238E27FC236}">
+                <a16:creationId xmlns:a16="http://schemas.microsoft.com/office/drawing/2014/main" id="{BBA30D2F-C8B3-AD4A-8075-FB767E25C76F}"/>
+              </a:ext>
+            </a:extLst>
+          </p:cNvPr>
+          <p:cNvSpPr>
+            <a:spLocks noGrp="1"/>
+          </p:cNvSpPr>
+          <p:nvPr>
+            <p:ph type="title"/>
+          </p:nvPr>
+        </p:nvSpPr>
+        <p:spPr/>
+        <p:txBody>
+          <a:bodyPr/>
+          <a:lstStyle/>
+          <a:p>
+            <a:r>
+              <a:rPr lang="en-DE" dirty="0"/>
+              <a:t>Comparsion</a:t>
+            </a:r>
+          </a:p>
+        </p:txBody>
+      </p:sp>
+      <p:sp>
+        <p:nvSpPr>
+          <p:cNvPr id="3" name="Content Placeholder 2">
+            <a:extLst>
+              <a:ext uri="{FF2B5EF4-FFF2-40B4-BE49-F238E27FC236}">
+                <a16:creationId xmlns:a16="http://schemas.microsoft.com/office/drawing/2014/main" id="{661B9DFE-713E-B04C-A9B1-DDD10F8FA7CE}"/>
+              </a:ext>
+            </a:extLst>
+          </p:cNvPr>
+          <p:cNvSpPr>
+            <a:spLocks noGrp="1"/>
+          </p:cNvSpPr>
+          <p:nvPr>
+            <p:ph idx="1"/>
+          </p:nvPr>
+        </p:nvSpPr>
+        <p:spPr/>
+        <p:txBody>
+          <a:bodyPr/>
+          <a:lstStyle/>
+          <a:p>
+            <a:r>
+              <a:rPr lang="en-DE" dirty="0"/>
+              <a:t>Based on Orchestrator</a:t>
+            </a:r>
+          </a:p>
+          <a:p>
+            <a:pPr lvl="1"/>
+            <a:r>
+              <a:rPr lang="en-DE" dirty="0"/>
+              <a:t>Fogernetes</a:t>
+            </a:r>
+          </a:p>
+          <a:p>
+            <a:pPr lvl="1"/>
+            <a:r>
+              <a:rPr lang="en-DE" dirty="0"/>
+              <a:t>Docker Swarm</a:t>
+            </a:r>
+          </a:p>
+          <a:p>
+            <a:r>
+              <a:rPr lang="en-DE" dirty="0"/>
+              <a:t>Based on Scheduling Techniques</a:t>
+            </a:r>
+          </a:p>
+          <a:p>
+            <a:pPr lvl="1"/>
+            <a:r>
+              <a:rPr lang="en-DE" dirty="0"/>
+              <a:t>Scheduler [5]</a:t>
+            </a:r>
+          </a:p>
+          <a:p>
+            <a:pPr lvl="1"/>
+            <a:r>
+              <a:rPr lang="en-DE" dirty="0"/>
+              <a:t>DYSCO [6]</a:t>
+            </a:r>
+          </a:p>
+          <a:p>
+            <a:pPr lvl="1"/>
+            <a:endParaRPr lang="en-DE" dirty="0"/>
+          </a:p>
+        </p:txBody>
+      </p:sp>
+    </p:spTree>
+    <p:extLst>
+      <p:ext uri="{BB962C8B-B14F-4D97-AF65-F5344CB8AC3E}">
+        <p14:creationId xmlns:p14="http://schemas.microsoft.com/office/powerpoint/2010/main" val="3010451804"/>
+      </p:ext>
+    </p:extLst>
+  </p:cSld>
+  <p:clrMapOvr>
+    <a:masterClrMapping/>
+  </p:clrMapOvr>
+</p:sld>
+</file>
+
+<file path=ppt/slides/slide16.xml><?xml version="1.0" encoding="utf-8"?>
+<p:sld xmlns:a="http://schemas.openxmlformats.org/drawingml/2006/main" xmlns:r="http://schemas.openxmlformats.org/officeDocument/2006/relationships" xmlns:p="http://schemas.openxmlformats.org/presentationml/2006/main">
+  <p:cSld>
+    <p:spTree>
+      <p:nvGrpSpPr>
+        <p:cNvPr id="1" name=""/>
+        <p:cNvGrpSpPr/>
+        <p:nvPr/>
+      </p:nvGrpSpPr>
+      <p:grpSpPr>
+        <a:xfrm>
+          <a:off x="0" y="0"/>
+          <a:ext cx="0" cy="0"/>
+          <a:chOff x="0" y="0"/>
+          <a:chExt cx="0" cy="0"/>
+        </a:xfrm>
+      </p:grpSpPr>
+      <p:sp>
+        <p:nvSpPr>
+          <p:cNvPr id="2" name="Title 1">
+            <a:extLst>
+              <a:ext uri="{FF2B5EF4-FFF2-40B4-BE49-F238E27FC236}">
+                <a16:creationId xmlns:a16="http://schemas.microsoft.com/office/drawing/2014/main" id="{15E05A02-1779-4B44-BC04-2E68E5C6579D}"/>
+              </a:ext>
+            </a:extLst>
+          </p:cNvPr>
+          <p:cNvSpPr>
+            <a:spLocks noGrp="1"/>
+          </p:cNvSpPr>
+          <p:nvPr>
+            <p:ph type="title"/>
+          </p:nvPr>
+        </p:nvSpPr>
+        <p:spPr/>
+        <p:txBody>
+          <a:bodyPr/>
+          <a:lstStyle/>
+          <a:p>
+            <a:r>
+              <a:rPr lang="en-DE" dirty="0"/>
+              <a:t>Conclusion</a:t>
+            </a:r>
+          </a:p>
+        </p:txBody>
+      </p:sp>
+      <p:sp>
+        <p:nvSpPr>
+          <p:cNvPr id="3" name="Content Placeholder 2">
+            <a:extLst>
+              <a:ext uri="{FF2B5EF4-FFF2-40B4-BE49-F238E27FC236}">
+                <a16:creationId xmlns:a16="http://schemas.microsoft.com/office/drawing/2014/main" id="{5AFE2D61-D58E-5345-97F2-891D4EE6D6B3}"/>
+              </a:ext>
+            </a:extLst>
+          </p:cNvPr>
+          <p:cNvSpPr>
+            <a:spLocks noGrp="1"/>
+          </p:cNvSpPr>
+          <p:nvPr>
+            <p:ph idx="1"/>
+          </p:nvPr>
+        </p:nvSpPr>
+        <p:spPr/>
+        <p:txBody>
+          <a:bodyPr/>
+          <a:lstStyle/>
+          <a:p>
+            <a:r>
+              <a:rPr lang="en-DE" dirty="0"/>
+              <a:t>Network-based Scheduler adds extra execution time</a:t>
+            </a:r>
+          </a:p>
+          <a:p>
+            <a:r>
+              <a:rPr lang="en-DE" dirty="0"/>
+              <a:t>Optimized technique considering default scheduler</a:t>
+            </a:r>
+          </a:p>
+          <a:p>
+            <a:r>
+              <a:rPr lang="en-DE" dirty="0"/>
+              <a:t>Works along side the default scheduler</a:t>
+            </a:r>
+          </a:p>
+          <a:p>
+            <a:pPr lvl="1"/>
+            <a:endParaRPr lang="en-DE" dirty="0"/>
+          </a:p>
+        </p:txBody>
+      </p:sp>
+    </p:spTree>
+    <p:extLst>
+      <p:ext uri="{BB962C8B-B14F-4D97-AF65-F5344CB8AC3E}">
+        <p14:creationId xmlns:p14="http://schemas.microsoft.com/office/powerpoint/2010/main" val="2995853176"/>
+      </p:ext>
+    </p:extLst>
+  </p:cSld>
+  <p:clrMapOvr>
+    <a:masterClrMapping/>
+  </p:clrMapOvr>
+</p:sld>
+</file>
+
+<file path=ppt/slides/slide17.xml><?xml version="1.0" encoding="utf-8"?>
+<p:sld xmlns:a="http://schemas.openxmlformats.org/drawingml/2006/main" xmlns:r="http://schemas.openxmlformats.org/officeDocument/2006/relationships" xmlns:p="http://schemas.openxmlformats.org/presentationml/2006/main">
+  <p:cSld>
+    <p:spTree>
+      <p:nvGrpSpPr>
+        <p:cNvPr id="1" name=""/>
+        <p:cNvGrpSpPr/>
+        <p:nvPr/>
+      </p:nvGrpSpPr>
+      <p:grpSpPr>
+        <a:xfrm>
+          <a:off x="0" y="0"/>
+          <a:ext cx="0" cy="0"/>
+          <a:chOff x="0" y="0"/>
+          <a:chExt cx="0" cy="0"/>
+        </a:xfrm>
+      </p:grpSpPr>
+      <p:sp>
+        <p:nvSpPr>
+          <p:cNvPr id="2" name="Title 1">
+            <a:extLst>
+              <a:ext uri="{FF2B5EF4-FFF2-40B4-BE49-F238E27FC236}">
+                <a16:creationId xmlns:a16="http://schemas.microsoft.com/office/drawing/2014/main" id="{F438E8EF-4962-8042-8C93-8A91215050E9}"/>
+              </a:ext>
+            </a:extLst>
+          </p:cNvPr>
+          <p:cNvSpPr>
+            <a:spLocks noGrp="1"/>
+          </p:cNvSpPr>
+          <p:nvPr>
+            <p:ph type="title"/>
+          </p:nvPr>
+        </p:nvSpPr>
+        <p:spPr/>
+        <p:txBody>
+          <a:bodyPr/>
+          <a:lstStyle/>
+          <a:p>
+            <a:r>
+              <a:rPr lang="en-DE" dirty="0"/>
+              <a:t>References</a:t>
+            </a:r>
+          </a:p>
+        </p:txBody>
+      </p:sp>
+      <p:sp>
+        <p:nvSpPr>
+          <p:cNvPr id="3" name="Content Placeholder 2">
+            <a:extLst>
+              <a:ext uri="{FF2B5EF4-FFF2-40B4-BE49-F238E27FC236}">
+                <a16:creationId xmlns:a16="http://schemas.microsoft.com/office/drawing/2014/main" id="{B95AAB67-553F-5349-A3EC-1EA9200F7882}"/>
+              </a:ext>
+            </a:extLst>
+          </p:cNvPr>
+          <p:cNvSpPr>
+            <a:spLocks noGrp="1"/>
+          </p:cNvSpPr>
+          <p:nvPr>
+            <p:ph idx="1"/>
+          </p:nvPr>
+        </p:nvSpPr>
+        <p:spPr/>
+        <p:txBody>
+          <a:bodyPr/>
+          <a:lstStyle/>
+          <a:p>
+            <a:pPr marL="0" indent="0">
+              <a:buNone/>
+            </a:pPr>
+            <a:r>
+              <a:rPr lang="en-DE" sz="1500" dirty="0"/>
+              <a:t>[1] </a:t>
+            </a:r>
+            <a:r>
+              <a:rPr lang="en-GB" sz="1500" dirty="0"/>
+              <a:t>J. Santos, T. </a:t>
+            </a:r>
+            <a:r>
+              <a:rPr lang="en-GB" sz="1500" dirty="0" err="1"/>
+              <a:t>Wauters</a:t>
+            </a:r>
+            <a:r>
+              <a:rPr lang="en-GB" sz="1500" dirty="0"/>
+              <a:t>, B. </a:t>
+            </a:r>
+            <a:r>
+              <a:rPr lang="en-GB" sz="1500" dirty="0" err="1"/>
+              <a:t>Volckaert</a:t>
+            </a:r>
+            <a:r>
+              <a:rPr lang="en-GB" sz="1500" dirty="0"/>
+              <a:t>, and F. De </a:t>
+            </a:r>
+            <a:r>
+              <a:rPr lang="en-GB" sz="1500" dirty="0" err="1"/>
+              <a:t>Turck</a:t>
+            </a:r>
+            <a:r>
+              <a:rPr lang="en-GB" sz="1500" dirty="0"/>
+              <a:t>. “Towards network-Aware resource provisioning in </a:t>
+            </a:r>
+            <a:r>
+              <a:rPr lang="en-GB" sz="1500" dirty="0" err="1"/>
+              <a:t>kubernetes</a:t>
+            </a:r>
+            <a:r>
+              <a:rPr lang="en-GB" sz="1500" dirty="0"/>
+              <a:t> for fog </a:t>
+            </a:r>
+            <a:r>
+              <a:rPr lang="en-GB" sz="1500" dirty="0" err="1"/>
+              <a:t>comput</a:t>
+            </a:r>
+            <a:r>
+              <a:rPr lang="en-GB" sz="1500" dirty="0"/>
+              <a:t>- </a:t>
+            </a:r>
+            <a:r>
+              <a:rPr lang="en-GB" sz="1500" dirty="0" err="1"/>
+              <a:t>ing</a:t>
+            </a:r>
+            <a:r>
+              <a:rPr lang="en-GB" sz="1500" dirty="0"/>
+              <a:t> applications”. In: http : / / physics . </a:t>
+            </a:r>
+            <a:r>
+              <a:rPr lang="en-GB" sz="1500" dirty="0" err="1"/>
+              <a:t>nist.gov</a:t>
+            </a:r>
+            <a:r>
+              <a:rPr lang="en-GB" sz="1500" dirty="0"/>
+              <a:t>/Document/sp811.pdf. IEEE Conference on Network </a:t>
+            </a:r>
+            <a:r>
+              <a:rPr lang="en-GB" sz="1500" dirty="0" err="1"/>
+              <a:t>Softwarization</a:t>
+            </a:r>
+            <a:r>
+              <a:rPr lang="en-GB" sz="1500" dirty="0"/>
+              <a:t> Un- leashing the Power of Network </a:t>
+            </a:r>
+            <a:r>
+              <a:rPr lang="en-GB" sz="1500" dirty="0" err="1"/>
+              <a:t>Softwariza</a:t>
+            </a:r>
+            <a:r>
+              <a:rPr lang="en-GB" sz="1500" dirty="0"/>
+              <a:t>- </a:t>
+            </a:r>
+            <a:r>
+              <a:rPr lang="en-GB" sz="1500" dirty="0" err="1"/>
+              <a:t>tion</a:t>
+            </a:r>
+            <a:r>
+              <a:rPr lang="en-GB" sz="1500" dirty="0"/>
+              <a:t>, </a:t>
+            </a:r>
+            <a:r>
+              <a:rPr lang="en-GB" sz="1500" dirty="0" err="1"/>
+              <a:t>NetSoft</a:t>
+            </a:r>
+            <a:r>
+              <a:rPr lang="en-GB" sz="1500" dirty="0"/>
+              <a:t> 2019, 2019.</a:t>
+            </a:r>
+          </a:p>
+          <a:p>
+            <a:pPr marL="0" indent="0">
+              <a:buNone/>
+            </a:pPr>
+            <a:r>
+              <a:rPr lang="en-GB" sz="1500" dirty="0"/>
+              <a:t>[2] L. F. </a:t>
+            </a:r>
+            <a:r>
+              <a:rPr lang="en-GB" sz="1500" dirty="0" err="1"/>
+              <a:t>Bittencourt</a:t>
+            </a:r>
+            <a:r>
+              <a:rPr lang="en-GB" sz="1500" dirty="0"/>
+              <a:t>, J. Diaz-Montes, R. </a:t>
+            </a:r>
+            <a:r>
+              <a:rPr lang="en-GB" sz="1500" dirty="0" err="1"/>
+              <a:t>Buyya</a:t>
+            </a:r>
+            <a:r>
+              <a:rPr lang="en-GB" sz="1500" dirty="0"/>
+              <a:t>, O. F. Rana, and M. Parashar. “Mobility- Aware Application Scheduling in Fog Com- </a:t>
+            </a:r>
+            <a:r>
+              <a:rPr lang="en-GB" sz="1500" dirty="0" err="1"/>
+              <a:t>puting</a:t>
+            </a:r>
+            <a:r>
+              <a:rPr lang="en-GB" sz="1500" dirty="0"/>
+              <a:t>”. In: (2017). https://</a:t>
+            </a:r>
+            <a:r>
+              <a:rPr lang="en-GB" sz="1500" dirty="0" err="1"/>
+              <a:t>ieeexplore</a:t>
+            </a:r>
+            <a:r>
+              <a:rPr lang="en-GB" sz="1500" dirty="0"/>
+              <a:t>. </a:t>
+            </a:r>
+            <a:r>
+              <a:rPr lang="en-GB" sz="1500" dirty="0" err="1"/>
+              <a:t>ieee.org</a:t>
+            </a:r>
+            <a:r>
+              <a:rPr lang="en-GB" sz="1500" dirty="0"/>
+              <a:t>/document/7912261</a:t>
+            </a:r>
+          </a:p>
+          <a:p>
+            <a:pPr marL="0" indent="0">
+              <a:buNone/>
+            </a:pPr>
+            <a:r>
+              <a:rPr lang="en-GB" sz="1500" dirty="0"/>
+              <a:t>[3] C. </a:t>
+            </a:r>
+            <a:r>
+              <a:rPr lang="en-GB" sz="1500" dirty="0" err="1"/>
+              <a:t>Wöbker</a:t>
+            </a:r>
+            <a:r>
+              <a:rPr lang="en-GB" sz="1500" dirty="0"/>
+              <a:t>, A. Seitz, H. Mueller, and B. </a:t>
+            </a:r>
+            <a:r>
+              <a:rPr lang="en-GB" sz="1500" dirty="0" err="1"/>
+              <a:t>Bruegge</a:t>
+            </a:r>
+            <a:r>
+              <a:rPr lang="en-GB" sz="1500" dirty="0"/>
+              <a:t>. “</a:t>
+            </a:r>
+            <a:r>
+              <a:rPr lang="en-GB" sz="1500" dirty="0" err="1"/>
+              <a:t>Fogernetes</a:t>
+            </a:r>
+            <a:r>
+              <a:rPr lang="en-GB" sz="1500" dirty="0"/>
+              <a:t>: Deployment and man- </a:t>
+            </a:r>
+            <a:r>
+              <a:rPr lang="en-GB" sz="1500" dirty="0" err="1"/>
+              <a:t>agement</a:t>
+            </a:r>
+            <a:r>
+              <a:rPr lang="en-GB" sz="1500" dirty="0"/>
+              <a:t> of fog computing applications”. In: https : / / </a:t>
+            </a:r>
+            <a:r>
+              <a:rPr lang="en-GB" sz="1500" dirty="0" err="1"/>
+              <a:t>ieeexplore</a:t>
+            </a:r>
+            <a:r>
+              <a:rPr lang="en-GB" sz="1500" dirty="0"/>
+              <a:t> . </a:t>
+            </a:r>
+            <a:r>
+              <a:rPr lang="en-GB" sz="1500" dirty="0" err="1"/>
+              <a:t>ieee</a:t>
+            </a:r>
+            <a:r>
+              <a:rPr lang="en-GB" sz="1500" dirty="0"/>
+              <a:t> . org / document / 8406321. IEEE/IFIP Network Operations and Management Symposium: Cognitive Management in a Cyber World, NOMS 2018, 2018. </a:t>
+            </a:r>
+          </a:p>
+          <a:p>
+            <a:pPr marL="0" indent="0">
+              <a:buNone/>
+            </a:pPr>
+            <a:r>
+              <a:rPr lang="en-GB" sz="1500" dirty="0"/>
+              <a:t>[4] A. </a:t>
+            </a:r>
+            <a:r>
+              <a:rPr lang="en-GB" sz="1500" dirty="0" err="1"/>
+              <a:t>Reale</a:t>
+            </a:r>
+            <a:r>
+              <a:rPr lang="en-GB" sz="1500" dirty="0"/>
+              <a:t>, P. Kiss, M. </a:t>
+            </a:r>
+            <a:r>
+              <a:rPr lang="en-GB" sz="1500" dirty="0" err="1"/>
+              <a:t>Tóth</a:t>
+            </a:r>
+            <a:r>
+              <a:rPr lang="en-GB" sz="1500" dirty="0"/>
+              <a:t>, and Z. </a:t>
+            </a:r>
+            <a:r>
+              <a:rPr lang="en-GB" sz="1500" dirty="0" err="1"/>
+              <a:t>Horváth</a:t>
+            </a:r>
+            <a:r>
+              <a:rPr lang="en-GB" sz="1500" dirty="0"/>
+              <a:t>. Designing a decentralized container based Fog computing framework for task </a:t>
+            </a:r>
+            <a:r>
+              <a:rPr lang="en-GB" sz="1500" dirty="0" err="1"/>
+              <a:t>distribu</a:t>
+            </a:r>
+            <a:r>
+              <a:rPr lang="en-GB" sz="1500" dirty="0"/>
+              <a:t>- </a:t>
+            </a:r>
+            <a:r>
+              <a:rPr lang="en-GB" sz="1500" dirty="0" err="1"/>
+              <a:t>tion</a:t>
+            </a:r>
+            <a:r>
+              <a:rPr lang="en-GB" sz="1500" dirty="0"/>
+              <a:t> and management. Tech. rep. http:// </a:t>
+            </a:r>
+            <a:r>
+              <a:rPr lang="en-GB" sz="1500" dirty="0" err="1"/>
+              <a:t>www.naun.org</a:t>
+            </a:r>
+            <a:r>
+              <a:rPr lang="en-GB" sz="1500" dirty="0"/>
+              <a:t>/main/</a:t>
+            </a:r>
+            <a:r>
+              <a:rPr lang="en-GB" sz="1500" dirty="0" err="1"/>
+              <a:t>UPress</a:t>
+            </a:r>
+            <a:r>
+              <a:rPr lang="en-GB" sz="1500" dirty="0"/>
+              <a:t>/cc/2019/ a022012-044.pdf. 2019.</a:t>
+            </a:r>
+          </a:p>
+          <a:p>
+            <a:pPr marL="0" indent="0">
+              <a:buNone/>
+            </a:pPr>
+            <a:r>
+              <a:rPr lang="en-GB" sz="1500" dirty="0"/>
+              <a:t>[5] D. </a:t>
+            </a:r>
+            <a:r>
+              <a:rPr lang="en-GB" sz="1500" dirty="0" err="1"/>
+              <a:t>Haja</a:t>
+            </a:r>
+            <a:r>
+              <a:rPr lang="en-GB" sz="1500" dirty="0"/>
+              <a:t>, M. </a:t>
+            </a:r>
+            <a:r>
+              <a:rPr lang="en-GB" sz="1500" dirty="0" err="1"/>
+              <a:t>Szalay</a:t>
+            </a:r>
+            <a:r>
+              <a:rPr lang="en-GB" sz="1500" dirty="0"/>
+              <a:t>, B. </a:t>
+            </a:r>
+            <a:r>
+              <a:rPr lang="en-GB" sz="1500" dirty="0" err="1"/>
+              <a:t>Sonkoly</a:t>
+            </a:r>
+            <a:r>
+              <a:rPr lang="en-GB" sz="1500" dirty="0"/>
+              <a:t>, G. </a:t>
+            </a:r>
+            <a:r>
+              <a:rPr lang="en-GB" sz="1500" dirty="0" err="1"/>
+              <a:t>Pongracz</a:t>
+            </a:r>
+            <a:r>
+              <a:rPr lang="en-GB" sz="1500" dirty="0"/>
+              <a:t>, and L. </a:t>
+            </a:r>
+            <a:r>
+              <a:rPr lang="en-GB" sz="1500" dirty="0" err="1"/>
+              <a:t>Toka</a:t>
+            </a:r>
+            <a:r>
+              <a:rPr lang="en-GB" sz="1500" dirty="0"/>
+              <a:t>. “Sharpening Kubernetes for the Edge”. In: https://</a:t>
+            </a:r>
+            <a:r>
+              <a:rPr lang="en-GB" sz="1500" dirty="0" err="1"/>
+              <a:t>dl.acm.org</a:t>
+            </a:r>
+            <a:r>
+              <a:rPr lang="en-GB" sz="1500" dirty="0"/>
+              <a:t>/</a:t>
+            </a:r>
+            <a:r>
+              <a:rPr lang="en-GB" sz="1500" dirty="0" err="1"/>
+              <a:t>doi</a:t>
+            </a:r>
+            <a:r>
+              <a:rPr lang="en-GB" sz="1500" dirty="0"/>
+              <a:t>/ 10.1145/3342280.3342335. SIGCOMM 2019 - Proceedings of the 2019 ACM SIG- COMM Conference Posters and Demos, Part of SIGCOMM 2019, 2019</a:t>
+            </a:r>
+          </a:p>
+          <a:p>
+            <a:pPr marL="0" indent="0">
+              <a:buNone/>
+            </a:pPr>
+            <a:r>
+              <a:rPr lang="en-GB" sz="1500" dirty="0"/>
+              <a:t>[6] L. Mittermeier, F. </a:t>
+            </a:r>
+            <a:r>
+              <a:rPr lang="en-GB" sz="1500" dirty="0" err="1"/>
+              <a:t>Katenbrink</a:t>
+            </a:r>
+            <a:r>
+              <a:rPr lang="en-GB" sz="1500" dirty="0"/>
+              <a:t>, A. Seitz, H. Muller, and B. </a:t>
+            </a:r>
+            <a:r>
+              <a:rPr lang="en-GB" sz="1500" dirty="0" err="1"/>
+              <a:t>Bruegge</a:t>
+            </a:r>
+            <a:r>
+              <a:rPr lang="en-GB" sz="1500" dirty="0"/>
+              <a:t>. “Dynamic </a:t>
+            </a:r>
+            <a:r>
+              <a:rPr lang="en-GB" sz="1500" dirty="0" err="1"/>
+              <a:t>schedul</a:t>
+            </a:r>
+            <a:r>
+              <a:rPr lang="en-GB" sz="1500" dirty="0"/>
+              <a:t>- </a:t>
+            </a:r>
+            <a:r>
+              <a:rPr lang="en-GB" sz="1500" dirty="0" err="1"/>
+              <a:t>ing</a:t>
+            </a:r>
+            <a:r>
+              <a:rPr lang="en-GB" sz="1500" dirty="0"/>
+              <a:t> for seamless computing”. In: https : / / </a:t>
+            </a:r>
+            <a:r>
+              <a:rPr lang="en-GB" sz="1500" dirty="0" err="1"/>
+              <a:t>ieeexplore</a:t>
+            </a:r>
+            <a:r>
+              <a:rPr lang="en-GB" sz="1500" dirty="0"/>
+              <a:t> . </a:t>
+            </a:r>
+            <a:r>
+              <a:rPr lang="en-GB" sz="1500" dirty="0" err="1"/>
+              <a:t>ieee</a:t>
+            </a:r>
+            <a:r>
+              <a:rPr lang="en-GB" sz="1500" dirty="0"/>
+              <a:t> . org / stamp / stamp . </a:t>
+            </a:r>
+            <a:r>
+              <a:rPr lang="en-GB" sz="1500" dirty="0" err="1"/>
+              <a:t>jsp</a:t>
+            </a:r>
+            <a:r>
+              <a:rPr lang="en-GB" sz="1500" dirty="0"/>
+              <a:t> ? </a:t>
+            </a:r>
+            <a:r>
+              <a:rPr lang="en-GB" sz="1500" dirty="0" err="1"/>
+              <a:t>tp</a:t>
+            </a:r>
+            <a:r>
+              <a:rPr lang="en-GB" sz="1500" dirty="0"/>
+              <a:t> = &amp;</a:t>
+            </a:r>
+            <a:r>
+              <a:rPr lang="en-GB" sz="1500" dirty="0" err="1"/>
+              <a:t>arnumber</a:t>
+            </a:r>
+            <a:r>
+              <a:rPr lang="en-GB" sz="1500" dirty="0"/>
+              <a:t> = 8567371. Proceedings-8th IEEE International </a:t>
+            </a:r>
+            <a:r>
+              <a:rPr lang="en-GB" sz="1500" dirty="0" err="1"/>
+              <a:t>Sympo</a:t>
+            </a:r>
+            <a:r>
+              <a:rPr lang="en-GB" sz="1500" dirty="0"/>
+              <a:t>- </a:t>
+            </a:r>
+            <a:r>
+              <a:rPr lang="en-GB" sz="1500" dirty="0" err="1"/>
+              <a:t>sium</a:t>
+            </a:r>
+            <a:r>
+              <a:rPr lang="en-GB" sz="1500" dirty="0"/>
+              <a:t> on Cloud and Services Computing, SC2 2018, 2018.</a:t>
+            </a:r>
+          </a:p>
+          <a:p>
+            <a:pPr marL="0" indent="0">
+              <a:buNone/>
+            </a:pPr>
+            <a:endParaRPr lang="en-GB" sz="1500" dirty="0"/>
+          </a:p>
+        </p:txBody>
+      </p:sp>
+    </p:spTree>
+    <p:extLst>
+      <p:ext uri="{BB962C8B-B14F-4D97-AF65-F5344CB8AC3E}">
+        <p14:creationId xmlns:p14="http://schemas.microsoft.com/office/powerpoint/2010/main" val="2108283478"/>
+      </p:ext>
+    </p:extLst>
+  </p:cSld>
+  <p:clrMapOvr>
+    <a:masterClrMapping/>
+  </p:clrMapOvr>
+</p:sld>
+</file>
+
+<file path=ppt/slides/slide2.xml><?xml version="1.0" encoding="utf-8"?>
+<p:sld xmlns:a="http://schemas.openxmlformats.org/drawingml/2006/main" xmlns:r="http://schemas.openxmlformats.org/officeDocument/2006/relationships" xmlns:p="http://schemas.openxmlformats.org/presentationml/2006/main">
+  <p:cSld>
+    <p:spTree>
+      <p:nvGrpSpPr>
+        <p:cNvPr id="1" name=""/>
+        <p:cNvGrpSpPr/>
+        <p:nvPr/>
+      </p:nvGrpSpPr>
+      <p:grpSpPr>
+        <a:xfrm>
+          <a:off x="0" y="0"/>
+          <a:ext cx="0" cy="0"/>
+          <a:chOff x="0" y="0"/>
+          <a:chExt cx="0" cy="0"/>
+        </a:xfrm>
+      </p:grpSpPr>
+      <p:sp>
+        <p:nvSpPr>
+          <p:cNvPr id="2" name="Title 1">
+            <a:extLst>
+              <a:ext uri="{FF2B5EF4-FFF2-40B4-BE49-F238E27FC236}">
+                <a16:creationId xmlns:a16="http://schemas.microsoft.com/office/drawing/2014/main" id="{4883D8CC-25BB-5149-A725-1B449D5B318F}"/>
+              </a:ext>
+            </a:extLst>
+          </p:cNvPr>
+          <p:cNvSpPr>
+            <a:spLocks noGrp="1"/>
+          </p:cNvSpPr>
+          <p:nvPr>
+            <p:ph type="title"/>
+          </p:nvPr>
+        </p:nvSpPr>
+        <p:spPr/>
+        <p:txBody>
+          <a:bodyPr/>
+          <a:lstStyle/>
+          <a:p>
+            <a:r>
+              <a:rPr lang="en-DE" dirty="0"/>
+              <a:t>Outline</a:t>
+            </a:r>
+          </a:p>
+        </p:txBody>
+      </p:sp>
+      <p:sp>
+        <p:nvSpPr>
+          <p:cNvPr id="3" name="Content Placeholder 2">
+            <a:extLst>
+              <a:ext uri="{FF2B5EF4-FFF2-40B4-BE49-F238E27FC236}">
+                <a16:creationId xmlns:a16="http://schemas.microsoft.com/office/drawing/2014/main" id="{1C894083-A7AE-BB41-AED9-27E445199BE1}"/>
+              </a:ext>
+            </a:extLst>
+          </p:cNvPr>
+          <p:cNvSpPr>
+            <a:spLocks noGrp="1"/>
+          </p:cNvSpPr>
+          <p:nvPr>
+            <p:ph idx="1"/>
+          </p:nvPr>
+        </p:nvSpPr>
+        <p:spPr/>
+        <p:txBody>
+          <a:bodyPr/>
+          <a:lstStyle/>
+          <a:p>
+            <a:r>
+              <a:rPr lang="en-DE" dirty="0"/>
+              <a:t>What is IoT and Fog Computing?</a:t>
+            </a:r>
+          </a:p>
+          <a:p>
+            <a:r>
+              <a:rPr lang="en-DE" dirty="0"/>
+              <a:t>Why using Kubernetes for Fog Computing Applications?</a:t>
+            </a:r>
+          </a:p>
+          <a:p>
+            <a:r>
+              <a:rPr lang="en-DE" dirty="0"/>
+              <a:t>What are the main components of Kubernetes?</a:t>
+            </a:r>
+          </a:p>
+          <a:p>
+            <a:r>
+              <a:rPr lang="en-DE" dirty="0"/>
+              <a:t>How Kubernetes schedule resources and its drawbacks?</a:t>
+            </a:r>
+          </a:p>
+          <a:p>
+            <a:r>
+              <a:rPr lang="en-DE" dirty="0"/>
+              <a:t>New scheduling technique</a:t>
+            </a:r>
+          </a:p>
+          <a:p>
+            <a:r>
+              <a:rPr lang="en-DE" dirty="0"/>
+              <a:t>Comparison of new scheduling technique with other solutions</a:t>
+            </a:r>
+          </a:p>
+          <a:p>
+            <a:r>
+              <a:rPr lang="en-DE" dirty="0"/>
+              <a:t>Conclusion</a:t>
+            </a:r>
+          </a:p>
+        </p:txBody>
+      </p:sp>
+    </p:spTree>
+    <p:extLst>
+      <p:ext uri="{BB962C8B-B14F-4D97-AF65-F5344CB8AC3E}">
+        <p14:creationId xmlns:p14="http://schemas.microsoft.com/office/powerpoint/2010/main" val="662607329"/>
+      </p:ext>
+    </p:extLst>
+  </p:cSld>
+  <p:clrMapOvr>
+    <a:masterClrMapping/>
+  </p:clrMapOvr>
+</p:sld>
+</file>
+
+<file path=ppt/slides/slide3.xml><?xml version="1.0" encoding="utf-8"?>
+<p:sld xmlns:a="http://schemas.openxmlformats.org/drawingml/2006/main" xmlns:r="http://schemas.openxmlformats.org/officeDocument/2006/relationships" xmlns:p="http://schemas.openxmlformats.org/presentationml/2006/main">
+  <p:cSld>
+    <p:spTree>
+      <p:nvGrpSpPr>
+        <p:cNvPr id="1" name=""/>
+        <p:cNvGrpSpPr/>
+        <p:nvPr/>
+      </p:nvGrpSpPr>
+      <p:grpSpPr>
+        <a:xfrm>
+          <a:off x="0" y="0"/>
+          <a:ext cx="0" cy="0"/>
+          <a:chOff x="0" y="0"/>
+          <a:chExt cx="0" cy="0"/>
+        </a:xfrm>
+      </p:grpSpPr>
+      <p:sp>
+        <p:nvSpPr>
+          <p:cNvPr id="3" name="Content Placeholder 2">
+            <a:extLst>
+              <a:ext uri="{FF2B5EF4-FFF2-40B4-BE49-F238E27FC236}">
+                <a16:creationId xmlns:a16="http://schemas.microsoft.com/office/drawing/2014/main" id="{5CCE4E39-F211-4E42-81C3-09BF57B59CFD}"/>
+              </a:ext>
+            </a:extLst>
+          </p:cNvPr>
+          <p:cNvSpPr>
+            <a:spLocks noGrp="1"/>
+          </p:cNvSpPr>
+          <p:nvPr>
+            <p:ph idx="1"/>
+          </p:nvPr>
+        </p:nvSpPr>
+        <p:spPr/>
+        <p:txBody>
+          <a:bodyPr/>
+          <a:lstStyle/>
+          <a:p>
+            <a:pPr algn="ctr"/>
+            <a:endParaRPr lang="en-DE" dirty="0"/>
+          </a:p>
+          <a:p>
+            <a:pPr algn="ctr"/>
+            <a:endParaRPr lang="en-DE" dirty="0"/>
+          </a:p>
+          <a:p>
+            <a:pPr marL="0" indent="0" algn="ctr">
+              <a:buNone/>
+            </a:pPr>
+            <a:endParaRPr lang="en-DE" dirty="0"/>
+          </a:p>
+          <a:p>
+            <a:pPr marL="0" indent="0" algn="ctr">
+              <a:buNone/>
+            </a:pPr>
+            <a:endParaRPr lang="en-DE" dirty="0"/>
+          </a:p>
+          <a:p>
+            <a:pPr marL="0" indent="0" algn="ctr">
+              <a:buNone/>
+            </a:pPr>
+            <a:r>
+              <a:rPr lang="en-DE" dirty="0"/>
+              <a:t>What is IoT and Fog Computing?</a:t>
+            </a:r>
+          </a:p>
+          <a:p>
+            <a:pPr marL="0" indent="0" algn="ctr">
+              <a:buNone/>
+            </a:pPr>
+            <a:endParaRPr lang="en-DE" dirty="0"/>
+          </a:p>
+        </p:txBody>
+      </p:sp>
+    </p:spTree>
+    <p:extLst>
+      <p:ext uri="{BB962C8B-B14F-4D97-AF65-F5344CB8AC3E}">
+        <p14:creationId xmlns:p14="http://schemas.microsoft.com/office/powerpoint/2010/main" val="36372147"/>
+      </p:ext>
+    </p:extLst>
+  </p:cSld>
+  <p:clrMapOvr>
+    <a:masterClrMapping/>
+  </p:clrMapOvr>
+</p:sld>
+</file>
+
+<file path=ppt/slides/slide4.xml><?xml version="1.0" encoding="utf-8"?>
+<p:sld xmlns:a="http://schemas.openxmlformats.org/drawingml/2006/main" xmlns:r="http://schemas.openxmlformats.org/officeDocument/2006/relationships" xmlns:p="http://schemas.openxmlformats.org/presentationml/2006/main">
+  <p:cSld>
+    <p:spTree>
+      <p:nvGrpSpPr>
+        <p:cNvPr id="1" name=""/>
+        <p:cNvGrpSpPr/>
+        <p:nvPr/>
+      </p:nvGrpSpPr>
+      <p:grpSpPr>
+        <a:xfrm>
+          <a:off x="0" y="0"/>
+          <a:ext cx="0" cy="0"/>
+          <a:chOff x="0" y="0"/>
+          <a:chExt cx="0" cy="0"/>
+        </a:xfrm>
+      </p:grpSpPr>
+      <p:sp>
+        <p:nvSpPr>
+          <p:cNvPr id="2" name="Title 1">
+            <a:extLst>
+              <a:ext uri="{FF2B5EF4-FFF2-40B4-BE49-F238E27FC236}">
+                <a16:creationId xmlns:a16="http://schemas.microsoft.com/office/drawing/2014/main" id="{E7E1CA16-67FD-FC41-8E72-CBDDFDDDE12E}"/>
+              </a:ext>
+            </a:extLst>
+          </p:cNvPr>
+          <p:cNvSpPr>
+            <a:spLocks noGrp="1"/>
+          </p:cNvSpPr>
+          <p:nvPr>
+            <p:ph type="title"/>
+          </p:nvPr>
+        </p:nvSpPr>
+        <p:spPr/>
+        <p:txBody>
+          <a:bodyPr/>
+          <a:lstStyle/>
+          <a:p>
+            <a:r>
+              <a:rPr lang="en-DE" dirty="0"/>
+              <a:t>Fog Computing</a:t>
+            </a:r>
+          </a:p>
+        </p:txBody>
+      </p:sp>
+      <p:sp>
+        <p:nvSpPr>
+          <p:cNvPr id="3" name="Content Placeholder 2">
+            <a:extLst>
+              <a:ext uri="{FF2B5EF4-FFF2-40B4-BE49-F238E27FC236}">
+                <a16:creationId xmlns:a16="http://schemas.microsoft.com/office/drawing/2014/main" id="{3C709B07-8009-2C42-82FD-044E24F476BE}"/>
+              </a:ext>
+            </a:extLst>
+          </p:cNvPr>
+          <p:cNvSpPr>
+            <a:spLocks noGrp="1"/>
+          </p:cNvSpPr>
+          <p:nvPr>
+            <p:ph idx="1"/>
+          </p:nvPr>
+        </p:nvSpPr>
+        <p:spPr/>
+        <p:txBody>
+          <a:bodyPr/>
+          <a:lstStyle/>
+          <a:p>
+            <a:r>
+              <a:rPr lang="en-DE" dirty="0"/>
+              <a:t>Concept of Fog Compuing</a:t>
+            </a:r>
+          </a:p>
+          <a:p>
+            <a:r>
+              <a:rPr lang="en-DE" dirty="0"/>
+              <a:t>IoT based Applications</a:t>
+            </a:r>
+          </a:p>
+          <a:p>
+            <a:r>
+              <a:rPr lang="en-DE" dirty="0"/>
+              <a:t>IoT Application Resource:</a:t>
+            </a:r>
+          </a:p>
+          <a:p>
+            <a:pPr lvl="1"/>
+            <a:r>
+              <a:rPr lang="en-DE" dirty="0"/>
+              <a:t>VM</a:t>
+            </a:r>
+          </a:p>
+          <a:p>
+            <a:pPr lvl="1"/>
+            <a:r>
+              <a:rPr lang="en-DE" dirty="0"/>
+              <a:t>Containers</a:t>
+            </a:r>
+          </a:p>
+          <a:p>
+            <a:r>
+              <a:rPr lang="en-DE" dirty="0"/>
+              <a:t>Fog Computing vs Cloud Computing</a:t>
+            </a:r>
+          </a:p>
+          <a:p>
+            <a:pPr lvl="1"/>
+            <a:r>
+              <a:rPr lang="en-DE" dirty="0"/>
+              <a:t>Cloud: OpenStack, AWS</a:t>
+            </a:r>
+          </a:p>
+          <a:p>
+            <a:pPr lvl="1"/>
+            <a:r>
+              <a:rPr lang="en-DE" dirty="0"/>
+              <a:t>Containers: Kubernetes, Docker Swarn</a:t>
+            </a:r>
+          </a:p>
+          <a:p>
+            <a:pPr lvl="1"/>
+            <a:endParaRPr lang="en-DE" dirty="0"/>
+          </a:p>
+          <a:p>
+            <a:endParaRPr lang="en-DE" dirty="0"/>
+          </a:p>
+        </p:txBody>
+      </p:sp>
+      <p:pic>
+        <p:nvPicPr>
+          <p:cNvPr id="5" name="Picture 4" descr="A picture containing clock&#10;&#10;Description automatically generated">
+            <a:extLst>
+              <a:ext uri="{FF2B5EF4-FFF2-40B4-BE49-F238E27FC236}">
+                <a16:creationId xmlns:a16="http://schemas.microsoft.com/office/drawing/2014/main" id="{1B6E364D-CE5D-0A49-B21B-B5ACA8C04E26}"/>
+              </a:ext>
+            </a:extLst>
+          </p:cNvPr>
+          <p:cNvPicPr>
+            <a:picLocks noChangeAspect="1"/>
+          </p:cNvPicPr>
+          <p:nvPr/>
+        </p:nvPicPr>
+        <p:blipFill>
+          <a:blip r:embed="rId2">
+            <a:extLst>
+              <a:ext uri="{28A0092B-C50C-407E-A947-70E740481C1C}">
+                <a14:useLocalDpi xmlns:a14="http://schemas.microsoft.com/office/drawing/2010/main" val="0"/>
+              </a:ext>
+            </a:extLst>
+          </a:blip>
+          <a:stretch>
+            <a:fillRect/>
+          </a:stretch>
+        </p:blipFill>
+        <p:spPr>
+          <a:xfrm>
+            <a:off x="5555208" y="987999"/>
+            <a:ext cx="3481288" cy="2080961"/>
+          </a:xfrm>
+          <a:prstGeom prst="rect">
+            <a:avLst/>
+          </a:prstGeom>
+        </p:spPr>
+      </p:pic>
+    </p:spTree>
+    <p:extLst>
+      <p:ext uri="{BB962C8B-B14F-4D97-AF65-F5344CB8AC3E}">
+        <p14:creationId xmlns:p14="http://schemas.microsoft.com/office/powerpoint/2010/main" val="2213453174"/>
+      </p:ext>
+    </p:extLst>
+  </p:cSld>
+  <p:clrMapOvr>
+    <a:masterClrMapping/>
+  </p:clrMapOvr>
+  <p:timing>
+    <p:tnLst>
+      <p:par>
+        <p:cTn id="1" dur="indefinite" restart="never" nodeType="tmRoot">
+          <p:childTnLst>
+            <p:seq concurrent="1" nextAc="seek">
+              <p:cTn id="2" dur="indefinite" nodeType="mainSeq">
+                <p:childTnLst>
+                  <p:par>
+                    <p:cTn id="3" fill="hold">
+                      <p:stCondLst>
+                        <p:cond delay="indefinite"/>
+                      </p:stCondLst>
+                      <p:childTnLst>
+                        <p:par>
+                          <p:cTn id="4" fill="hold">
+                            <p:stCondLst>
+                              <p:cond delay="0"/>
+                            </p:stCondLst>
+                            <p:childTnLst>
+                              <p:par>
+                                <p:cTn id="5" presetID="12" presetClass="entr" presetSubtype="4" fill="hold" nodeType="clickEffect">
+                                  <p:stCondLst>
+                                    <p:cond delay="0"/>
+                                  </p:stCondLst>
+                                  <p:childTnLst>
+                                    <p:set>
+                                      <p:cBhvr>
+                                        <p:cTn id="6" dur="1" fill="hold">
+                                          <p:stCondLst>
+                                            <p:cond delay="0"/>
+                                          </p:stCondLst>
+                                        </p:cTn>
+                                        <p:tgtEl>
+                                          <p:spTgt spid="5"/>
+                                        </p:tgtEl>
+                                        <p:attrNameLst>
+                                          <p:attrName>style.visibility</p:attrName>
+                                        </p:attrNameLst>
+                                      </p:cBhvr>
+                                      <p:to>
+                                        <p:strVal val="visible"/>
+                                      </p:to>
+                                    </p:set>
+                                    <p:anim calcmode="lin" valueType="num">
+                                      <p:cBhvr additive="base">
+                                        <p:cTn id="7" dur="500"/>
+                                        <p:tgtEl>
+                                          <p:spTgt spid="5"/>
+                                        </p:tgtEl>
+                                        <p:attrNameLst>
+                                          <p:attrName>ppt_y</p:attrName>
+                                        </p:attrNameLst>
+                                      </p:cBhvr>
+                                      <p:tavLst>
+                                        <p:tav tm="0">
+                                          <p:val>
+                                            <p:strVal val="#ppt_y+#ppt_h*1.125000"/>
+                                          </p:val>
+                                        </p:tav>
+                                        <p:tav tm="100000">
+                                          <p:val>
+                                            <p:strVal val="#ppt_y"/>
+                                          </p:val>
+                                        </p:tav>
+                                      </p:tavLst>
+                                    </p:anim>
+                                    <p:animEffect transition="in" filter="wipe(up)">
+                                      <p:cBhvr>
+                                        <p:cTn id="8" dur="500"/>
+                                        <p:tgtEl>
+                                          <p:spTgt spid="5"/>
+                                        </p:tgtEl>
+                                      </p:cBhvr>
+                                    </p:animEffect>
+                                  </p:childTnLst>
+                                </p:cTn>
+                              </p:par>
+                            </p:childTnLst>
+                          </p:cTn>
+                        </p:par>
+                      </p:childTnLst>
+                    </p:cTn>
+                  </p:par>
+                </p:childTnLst>
+              </p:cTn>
+              <p:prevCondLst>
+                <p:cond evt="onPrev" delay="0">
+                  <p:tgtEl>
+                    <p:sldTgt/>
+                  </p:tgtEl>
+                </p:cond>
+              </p:prevCondLst>
+              <p:nextCondLst>
+                <p:cond evt="onNext" delay="0">
+                  <p:tgtEl>
+                    <p:sldTgt/>
+                  </p:tgtEl>
+                </p:cond>
+              </p:nextCondLst>
+            </p:seq>
+          </p:childTnLst>
+        </p:cTn>
+      </p:par>
+    </p:tnLst>
+  </p:timing>
+</p:sld>
+</file>
+
+<file path=ppt/slides/slide5.xml><?xml version="1.0" encoding="utf-8"?>
+<p:sld xmlns:a="http://schemas.openxmlformats.org/drawingml/2006/main" xmlns:r="http://schemas.openxmlformats.org/officeDocument/2006/relationships" xmlns:p="http://schemas.openxmlformats.org/presentationml/2006/main">
+  <p:cSld>
+    <p:spTree>
+      <p:nvGrpSpPr>
+        <p:cNvPr id="1" name=""/>
+        <p:cNvGrpSpPr/>
+        <p:nvPr/>
+      </p:nvGrpSpPr>
+      <p:grpSpPr>
+        <a:xfrm>
+          <a:off x="0" y="0"/>
+          <a:ext cx="0" cy="0"/>
+          <a:chOff x="0" y="0"/>
+          <a:chExt cx="0" cy="0"/>
+        </a:xfrm>
+      </p:grpSpPr>
+      <p:sp>
+        <p:nvSpPr>
+          <p:cNvPr id="3" name="Content Placeholder 2">
+            <a:extLst>
+              <a:ext uri="{FF2B5EF4-FFF2-40B4-BE49-F238E27FC236}">
+                <a16:creationId xmlns:a16="http://schemas.microsoft.com/office/drawing/2014/main" id="{76455A06-E778-AF43-A7D3-F842B356E2F7}"/>
+              </a:ext>
+            </a:extLst>
+          </p:cNvPr>
+          <p:cNvSpPr>
+            <a:spLocks noGrp="1"/>
+          </p:cNvSpPr>
+          <p:nvPr>
+            <p:ph idx="1"/>
+          </p:nvPr>
+        </p:nvSpPr>
+        <p:spPr/>
+        <p:txBody>
+          <a:bodyPr/>
+          <a:lstStyle/>
+          <a:p>
+            <a:pPr marL="0" indent="0" algn="ctr">
+              <a:buNone/>
+            </a:pPr>
+            <a:endParaRPr lang="en-DE" dirty="0"/>
+          </a:p>
+          <a:p>
+            <a:pPr marL="0" indent="0" algn="ctr">
+              <a:buNone/>
+            </a:pPr>
+            <a:endParaRPr lang="en-DE" dirty="0"/>
+          </a:p>
+          <a:p>
+            <a:pPr marL="0" indent="0" algn="ctr">
+              <a:buNone/>
+            </a:pPr>
+            <a:endParaRPr lang="en-DE" dirty="0"/>
+          </a:p>
+          <a:p>
+            <a:pPr marL="0" indent="0" algn="ctr">
+              <a:buNone/>
+            </a:pPr>
+            <a:endParaRPr lang="en-DE" dirty="0"/>
+          </a:p>
+          <a:p>
+            <a:pPr marL="0" indent="0" algn="ctr">
+              <a:buNone/>
+            </a:pPr>
+            <a:r>
+              <a:rPr lang="en-DE" dirty="0"/>
+              <a:t>Why using Kubernetes for Fog Computing Applications?</a:t>
+            </a:r>
+          </a:p>
+          <a:p>
+            <a:pPr marL="0" indent="0" algn="ctr">
+              <a:buNone/>
+            </a:pPr>
+            <a:endParaRPr lang="en-DE" dirty="0"/>
+          </a:p>
+        </p:txBody>
+      </p:sp>
+    </p:spTree>
+    <p:extLst>
+      <p:ext uri="{BB962C8B-B14F-4D97-AF65-F5344CB8AC3E}">
+        <p14:creationId xmlns:p14="http://schemas.microsoft.com/office/powerpoint/2010/main" val="710721794"/>
+      </p:ext>
+    </p:extLst>
+  </p:cSld>
+  <p:clrMapOvr>
+    <a:masterClrMapping/>
+  </p:clrMapOvr>
+</p:sld>
+</file>
+
+<file path=ppt/slides/slide6.xml><?xml version="1.0" encoding="utf-8"?>
+<p:sld xmlns:a="http://schemas.openxmlformats.org/drawingml/2006/main" xmlns:r="http://schemas.openxmlformats.org/officeDocument/2006/relationships" xmlns:p="http://schemas.openxmlformats.org/presentationml/2006/main">
+  <p:cSld>
+    <p:spTree>
+      <p:nvGrpSpPr>
+        <p:cNvPr id="1" name=""/>
+        <p:cNvGrpSpPr/>
+        <p:nvPr/>
+      </p:nvGrpSpPr>
+      <p:grpSpPr>
+        <a:xfrm>
+          <a:off x="0" y="0"/>
+          <a:ext cx="0" cy="0"/>
+          <a:chOff x="0" y="0"/>
+          <a:chExt cx="0" cy="0"/>
+        </a:xfrm>
+      </p:grpSpPr>
+      <p:sp>
+        <p:nvSpPr>
+          <p:cNvPr id="2" name="Title 1">
+            <a:extLst>
+              <a:ext uri="{FF2B5EF4-FFF2-40B4-BE49-F238E27FC236}">
+                <a16:creationId xmlns:a16="http://schemas.microsoft.com/office/drawing/2014/main" id="{FE3458E9-4519-F547-BF17-06EF1272C810}"/>
+              </a:ext>
+            </a:extLst>
+          </p:cNvPr>
+          <p:cNvSpPr>
+            <a:spLocks noGrp="1"/>
+          </p:cNvSpPr>
+          <p:nvPr>
+            <p:ph type="title"/>
+          </p:nvPr>
+        </p:nvSpPr>
+        <p:spPr/>
+        <p:txBody>
+          <a:bodyPr/>
+          <a:lstStyle/>
+          <a:p>
+            <a:r>
+              <a:rPr lang="en-DE" dirty="0"/>
+              <a:t>Kubernetes</a:t>
+            </a:r>
+          </a:p>
+        </p:txBody>
+      </p:sp>
+      <p:sp>
+        <p:nvSpPr>
+          <p:cNvPr id="3" name="Content Placeholder 2">
+            <a:extLst>
+              <a:ext uri="{FF2B5EF4-FFF2-40B4-BE49-F238E27FC236}">
+                <a16:creationId xmlns:a16="http://schemas.microsoft.com/office/drawing/2014/main" id="{D7A132A3-9EED-304A-B12B-20F078F8E48F}"/>
+              </a:ext>
+            </a:extLst>
+          </p:cNvPr>
+          <p:cNvSpPr>
+            <a:spLocks noGrp="1"/>
+          </p:cNvSpPr>
+          <p:nvPr>
+            <p:ph idx="1"/>
+          </p:nvPr>
+        </p:nvSpPr>
+        <p:spPr/>
+        <p:txBody>
+          <a:bodyPr/>
+          <a:lstStyle/>
+          <a:p>
+            <a:r>
+              <a:rPr lang="en-GB" dirty="0"/>
+              <a:t>Architecture</a:t>
+            </a:r>
+          </a:p>
+          <a:p>
+            <a:pPr lvl="1"/>
+            <a:r>
+              <a:rPr lang="en-GB" dirty="0"/>
+              <a:t>Master Node</a:t>
+            </a:r>
+          </a:p>
+          <a:p>
+            <a:pPr lvl="1"/>
+            <a:r>
+              <a:rPr lang="en-GB" dirty="0"/>
+              <a:t>Worker Node</a:t>
+            </a:r>
+          </a:p>
+          <a:p>
+            <a:r>
+              <a:rPr lang="en-GB" dirty="0"/>
+              <a:t>Main Components</a:t>
+            </a:r>
+          </a:p>
+          <a:p>
+            <a:pPr lvl="1"/>
+            <a:r>
+              <a:rPr lang="en-GB" dirty="0"/>
+              <a:t>Controller Manager</a:t>
+            </a:r>
+          </a:p>
+          <a:p>
+            <a:pPr lvl="1"/>
+            <a:r>
+              <a:rPr lang="en-GB" dirty="0" err="1"/>
+              <a:t>Kube</a:t>
+            </a:r>
+            <a:r>
+              <a:rPr lang="en-GB" dirty="0"/>
+              <a:t> Scheduler</a:t>
+            </a:r>
+          </a:p>
+          <a:p>
+            <a:pPr lvl="1"/>
+            <a:r>
+              <a:rPr lang="en-GB" dirty="0" err="1"/>
+              <a:t>Kubelets</a:t>
+            </a:r>
+            <a:endParaRPr lang="en-GB" dirty="0"/>
+          </a:p>
+          <a:p>
+            <a:pPr lvl="1"/>
+            <a:r>
+              <a:rPr lang="en-GB" dirty="0"/>
+              <a:t>Image Registry</a:t>
+            </a:r>
+          </a:p>
+          <a:p>
+            <a:r>
+              <a:rPr lang="en-DE" dirty="0"/>
+              <a:t>Orchestration</a:t>
+            </a:r>
+          </a:p>
+          <a:p>
+            <a:pPr lvl="1"/>
+            <a:r>
+              <a:rPr lang="en-DE" dirty="0"/>
+              <a:t>Starting/stoping of applications</a:t>
+            </a:r>
+          </a:p>
+          <a:p>
+            <a:pPr lvl="1"/>
+            <a:r>
+              <a:rPr lang="en-DE" dirty="0"/>
+              <a:t>Scalabilty of applications</a:t>
+            </a:r>
+          </a:p>
+          <a:p>
+            <a:pPr lvl="1"/>
+            <a:r>
+              <a:rPr lang="en-DE" dirty="0"/>
+              <a:t>Load management</a:t>
+            </a:r>
+          </a:p>
+          <a:p>
+            <a:pPr lvl="1"/>
+            <a:r>
+              <a:rPr lang="en-DE" dirty="0"/>
+              <a:t>Health monitoring</a:t>
+            </a:r>
+          </a:p>
+          <a:p>
+            <a:endParaRPr lang="en-DE" dirty="0"/>
+          </a:p>
+          <a:p>
+            <a:endParaRPr lang="en-DE" dirty="0"/>
+          </a:p>
+        </p:txBody>
+      </p:sp>
+      <p:pic>
+        <p:nvPicPr>
+          <p:cNvPr id="8" name="Picture 7" descr="A screenshot of a cell phone&#10;&#10;Description automatically generated">
+            <a:extLst>
+              <a:ext uri="{FF2B5EF4-FFF2-40B4-BE49-F238E27FC236}">
+                <a16:creationId xmlns:a16="http://schemas.microsoft.com/office/drawing/2014/main" id="{5A31AF95-C9FF-AB4E-99D5-D1B27B17B563}"/>
+              </a:ext>
+            </a:extLst>
+          </p:cNvPr>
+          <p:cNvPicPr>
+            <a:picLocks noChangeAspect="1"/>
+          </p:cNvPicPr>
+          <p:nvPr/>
+        </p:nvPicPr>
+        <p:blipFill>
+          <a:blip r:embed="rId3">
+            <a:extLst>
+              <a:ext uri="{28A0092B-C50C-407E-A947-70E740481C1C}">
+                <a14:useLocalDpi xmlns:a14="http://schemas.microsoft.com/office/drawing/2010/main" val="0"/>
+              </a:ext>
+            </a:extLst>
+          </a:blip>
+          <a:stretch>
+            <a:fillRect/>
+          </a:stretch>
+        </p:blipFill>
+        <p:spPr>
+          <a:xfrm>
+            <a:off x="5652120" y="1068148"/>
+            <a:ext cx="3499095" cy="4875452"/>
+          </a:xfrm>
+          <a:prstGeom prst="rect">
+            <a:avLst/>
+          </a:prstGeom>
+        </p:spPr>
+      </p:pic>
+    </p:spTree>
+    <p:extLst>
+      <p:ext uri="{BB962C8B-B14F-4D97-AF65-F5344CB8AC3E}">
+        <p14:creationId xmlns:p14="http://schemas.microsoft.com/office/powerpoint/2010/main" val="4257402017"/>
+      </p:ext>
+    </p:extLst>
+  </p:cSld>
+  <p:clrMapOvr>
+    <a:masterClrMapping/>
+  </p:clrMapOvr>
+</p:sld>
+</file>
+
+<file path=ppt/slides/slide7.xml><?xml version="1.0" encoding="utf-8"?>
+<p:sld xmlns:a="http://schemas.openxmlformats.org/drawingml/2006/main" xmlns:r="http://schemas.openxmlformats.org/officeDocument/2006/relationships" xmlns:p="http://schemas.openxmlformats.org/presentationml/2006/main">
+  <p:cSld>
+    <p:spTree>
+      <p:nvGrpSpPr>
+        <p:cNvPr id="1" name=""/>
+        <p:cNvGrpSpPr/>
+        <p:nvPr/>
+      </p:nvGrpSpPr>
+      <p:grpSpPr>
+        <a:xfrm>
+          <a:off x="0" y="0"/>
+          <a:ext cx="0" cy="0"/>
+          <a:chOff x="0" y="0"/>
+          <a:chExt cx="0" cy="0"/>
+        </a:xfrm>
+      </p:grpSpPr>
+      <p:sp>
+        <p:nvSpPr>
+          <p:cNvPr id="3" name="Content Placeholder 2">
+            <a:extLst>
+              <a:ext uri="{FF2B5EF4-FFF2-40B4-BE49-F238E27FC236}">
+                <a16:creationId xmlns:a16="http://schemas.microsoft.com/office/drawing/2014/main" id="{928A6C14-0DFB-6349-B929-09F0AE1BDE4E}"/>
+              </a:ext>
+            </a:extLst>
+          </p:cNvPr>
+          <p:cNvSpPr>
+            <a:spLocks noGrp="1"/>
+          </p:cNvSpPr>
+          <p:nvPr>
+            <p:ph idx="1"/>
+          </p:nvPr>
+        </p:nvSpPr>
+        <p:spPr/>
+        <p:txBody>
+          <a:bodyPr/>
+          <a:lstStyle/>
+          <a:p>
+            <a:pPr marL="0" indent="0" algn="ctr">
+              <a:buNone/>
+            </a:pPr>
+            <a:endParaRPr lang="en-DE" dirty="0"/>
+          </a:p>
+          <a:p>
+            <a:pPr marL="0" indent="0" algn="ctr">
+              <a:buNone/>
+            </a:pPr>
+            <a:endParaRPr lang="en-DE" dirty="0"/>
+          </a:p>
+          <a:p>
+            <a:pPr marL="0" indent="0" algn="ctr">
+              <a:buNone/>
+            </a:pPr>
+            <a:endParaRPr lang="en-DE" dirty="0"/>
+          </a:p>
+          <a:p>
+            <a:pPr marL="0" indent="0" algn="ctr">
+              <a:buNone/>
+            </a:pPr>
+            <a:endParaRPr lang="en-DE" dirty="0"/>
+          </a:p>
+          <a:p>
+            <a:pPr marL="0" indent="0" algn="ctr">
+              <a:buNone/>
+            </a:pPr>
+            <a:r>
+              <a:rPr lang="en-DE" dirty="0"/>
+              <a:t>How Kubernetes schedule resources and its drawbacks?</a:t>
+            </a:r>
+          </a:p>
+        </p:txBody>
+      </p:sp>
+    </p:spTree>
+    <p:extLst>
+      <p:ext uri="{BB962C8B-B14F-4D97-AF65-F5344CB8AC3E}">
+        <p14:creationId xmlns:p14="http://schemas.microsoft.com/office/powerpoint/2010/main" val="3472002586"/>
+      </p:ext>
+    </p:extLst>
+  </p:cSld>
+  <p:clrMapOvr>
+    <a:masterClrMapping/>
+  </p:clrMapOvr>
+</p:sld>
+</file>
+
+<file path=ppt/slides/slide8.xml><?xml version="1.0" encoding="utf-8"?>
+<p:sld xmlns:a="http://schemas.openxmlformats.org/drawingml/2006/main" xmlns:r="http://schemas.openxmlformats.org/officeDocument/2006/relationships" xmlns:p="http://schemas.openxmlformats.org/presentationml/2006/main">
+  <p:cSld>
+    <p:spTree>
+      <p:nvGrpSpPr>
+        <p:cNvPr id="1" name=""/>
+        <p:cNvGrpSpPr/>
+        <p:nvPr/>
+      </p:nvGrpSpPr>
+      <p:grpSpPr>
+        <a:xfrm>
+          <a:off x="0" y="0"/>
+          <a:ext cx="0" cy="0"/>
+          <a:chOff x="0" y="0"/>
+          <a:chExt cx="0" cy="0"/>
+        </a:xfrm>
+      </p:grpSpPr>
+      <p:sp>
+        <p:nvSpPr>
+          <p:cNvPr id="2" name="Title 1">
+            <a:extLst>
+              <a:ext uri="{FF2B5EF4-FFF2-40B4-BE49-F238E27FC236}">
+                <a16:creationId xmlns:a16="http://schemas.microsoft.com/office/drawing/2014/main" id="{7BC2FF45-4A67-F645-8277-A592CB3B6B8F}"/>
+              </a:ext>
+            </a:extLst>
+          </p:cNvPr>
+          <p:cNvSpPr>
+            <a:spLocks noGrp="1"/>
+          </p:cNvSpPr>
+          <p:nvPr>
+            <p:ph type="title"/>
+          </p:nvPr>
+        </p:nvSpPr>
+        <p:spPr/>
+        <p:txBody>
+          <a:bodyPr/>
+          <a:lstStyle/>
+          <a:p>
+            <a:r>
+              <a:rPr lang="en-DE" dirty="0"/>
+              <a:t>Kubernetes Resource Provisioning</a:t>
+            </a:r>
+          </a:p>
+        </p:txBody>
+      </p:sp>
+      <p:sp>
+        <p:nvSpPr>
+          <p:cNvPr id="3" name="Content Placeholder 2">
+            <a:extLst>
+              <a:ext uri="{FF2B5EF4-FFF2-40B4-BE49-F238E27FC236}">
+                <a16:creationId xmlns:a16="http://schemas.microsoft.com/office/drawing/2014/main" id="{363EEF46-E98F-E64E-8CF9-7F5F0371282B}"/>
+              </a:ext>
+            </a:extLst>
+          </p:cNvPr>
+          <p:cNvSpPr>
+            <a:spLocks noGrp="1"/>
+          </p:cNvSpPr>
+          <p:nvPr>
+            <p:ph idx="1"/>
+          </p:nvPr>
+        </p:nvSpPr>
+        <p:spPr/>
+        <p:txBody>
+          <a:bodyPr/>
+          <a:lstStyle/>
+          <a:p>
+            <a:r>
+              <a:rPr lang="en-DE" dirty="0"/>
+              <a:t>Default Scheduler: “Kube Scheduler”</a:t>
+            </a:r>
+          </a:p>
+          <a:p>
+            <a:r>
+              <a:rPr lang="en-DE" dirty="0"/>
+              <a:t>Used for Pod deployment across Worker Nodes</a:t>
+            </a:r>
+          </a:p>
+          <a:p>
+            <a:r>
+              <a:rPr lang="en-DE" dirty="0"/>
+              <a:t>Node selection criteria:</a:t>
+            </a:r>
+          </a:p>
+          <a:p>
+            <a:pPr lvl="1"/>
+            <a:r>
+              <a:rPr lang="en-DE" dirty="0"/>
+              <a:t>Node Filtering</a:t>
+            </a:r>
+          </a:p>
+          <a:p>
+            <a:pPr lvl="2"/>
+            <a:r>
+              <a:rPr lang="en-DE" dirty="0"/>
+              <a:t>Pod Fits Host Ports</a:t>
+            </a:r>
+          </a:p>
+          <a:p>
+            <a:pPr lvl="2"/>
+            <a:r>
+              <a:rPr lang="en-DE" dirty="0"/>
+              <a:t>Pod Fits Resources</a:t>
+            </a:r>
+          </a:p>
+          <a:p>
+            <a:pPr lvl="1"/>
+            <a:r>
+              <a:rPr lang="en-DE" dirty="0"/>
+              <a:t>Node Priority/Scoring</a:t>
+            </a:r>
+          </a:p>
+          <a:p>
+            <a:pPr lvl="2"/>
+            <a:r>
+              <a:rPr lang="en-DE" dirty="0"/>
+              <a:t>Least Request Priority</a:t>
+            </a:r>
+          </a:p>
+          <a:p>
+            <a:pPr lvl="2"/>
+            <a:r>
+              <a:rPr lang="en-DE" dirty="0"/>
+              <a:t>Image Locality Priority</a:t>
+            </a:r>
+          </a:p>
+          <a:p>
+            <a:r>
+              <a:rPr lang="en-DE" dirty="0"/>
+              <a:t>Drawbacks</a:t>
+            </a:r>
+          </a:p>
+          <a:p>
+            <a:pPr lvl="1"/>
+            <a:r>
+              <a:rPr lang="en-DE" dirty="0"/>
+              <a:t>No network resources consideration</a:t>
+            </a:r>
+          </a:p>
+        </p:txBody>
+      </p:sp>
+      <p:pic>
+        <p:nvPicPr>
+          <p:cNvPr id="5" name="Picture 4" descr="A screenshot of a cell phone&#10;&#10;Description automatically generated">
+            <a:extLst>
+              <a:ext uri="{FF2B5EF4-FFF2-40B4-BE49-F238E27FC236}">
+                <a16:creationId xmlns:a16="http://schemas.microsoft.com/office/drawing/2014/main" id="{229C9C2A-1942-FB4B-9ED2-C41198621056}"/>
+              </a:ext>
+            </a:extLst>
+          </p:cNvPr>
+          <p:cNvPicPr>
+            <a:picLocks noChangeAspect="1"/>
+          </p:cNvPicPr>
+          <p:nvPr/>
+        </p:nvPicPr>
+        <p:blipFill>
+          <a:blip r:embed="rId2">
+            <a:extLst>
+              <a:ext uri="{28A0092B-C50C-407E-A947-70E740481C1C}">
+                <a14:useLocalDpi xmlns:a14="http://schemas.microsoft.com/office/drawing/2010/main" val="0"/>
+              </a:ext>
+            </a:extLst>
+          </a:blip>
+          <a:stretch>
+            <a:fillRect/>
+          </a:stretch>
+        </p:blipFill>
+        <p:spPr>
+          <a:xfrm>
+            <a:off x="5436096" y="2063512"/>
+            <a:ext cx="3507879" cy="3786377"/>
+          </a:xfrm>
+          <a:prstGeom prst="rect">
+            <a:avLst/>
+          </a:prstGeom>
+        </p:spPr>
+      </p:pic>
+    </p:spTree>
+    <p:extLst>
+      <p:ext uri="{BB962C8B-B14F-4D97-AF65-F5344CB8AC3E}">
+        <p14:creationId xmlns:p14="http://schemas.microsoft.com/office/powerpoint/2010/main" val="1211020671"/>
+      </p:ext>
+    </p:extLst>
+  </p:cSld>
+  <p:clrMapOvr>
+    <a:masterClrMapping/>
+  </p:clrMapOvr>
+</p:sld>
+</file>
+
 <file path=ppt/slides/slide9.xml><?xml version="1.0" encoding="utf-8"?>
 <p:sld xmlns:a="http://schemas.openxmlformats.org/drawingml/2006/main" xmlns:r="http://schemas.openxmlformats.org/officeDocument/2006/relationships" xmlns:p="http://schemas.openxmlformats.org/presentationml/2006/main">
   <p:cSld>
@@ -6151,10 +7915,10 @@
       </p:grpSpPr>
       <p:sp>
         <p:nvSpPr>
-          <p:cNvPr id="2" name="Title 1">
+          <p:cNvPr id="3" name="Content Placeholder 2">
             <a:extLst>
               <a:ext uri="{FF2B5EF4-FFF2-40B4-BE49-F238E27FC236}">
-                <a16:creationId xmlns:a16="http://schemas.microsoft.com/office/drawing/2014/main" id="{BBA30D2F-C8B3-AD4A-8075-FB767E25C76F}"/>
+                <a16:creationId xmlns:a16="http://schemas.microsoft.com/office/drawing/2014/main" id="{241C80D3-FC25-A84B-91CC-CA2160E2CE5A}"/>
               </a:ext>
             </a:extLst>
           </p:cNvPr>
@@ -6162,7 +7926,7 @@
             <a:spLocks noGrp="1"/>
           </p:cNvSpPr>
           <p:nvPr>
-            <p:ph type="title"/>
+            <p:ph idx="1"/>
           </p:nvPr>
         </p:nvSpPr>
         <p:spPr/>
@@ -6170,83 +7934,50 @@
           <a:bodyPr/>
           <a:lstStyle/>
           <a:p>
+            <a:pPr marL="0" indent="0" algn="ctr">
+              <a:buNone/>
+            </a:pPr>
+            <a:endParaRPr lang="en-DE" dirty="0"/>
+          </a:p>
+          <a:p>
+            <a:pPr marL="0" indent="0" algn="ctr">
+              <a:buNone/>
+            </a:pPr>
+            <a:endParaRPr lang="en-DE" dirty="0"/>
+          </a:p>
+          <a:p>
+            <a:pPr marL="0" indent="0" algn="ctr">
+              <a:buNone/>
+            </a:pPr>
+            <a:endParaRPr lang="en-DE" dirty="0"/>
+          </a:p>
+          <a:p>
+            <a:pPr marL="0" indent="0" algn="ctr">
+              <a:buNone/>
+            </a:pPr>
+            <a:endParaRPr lang="en-DE" dirty="0"/>
+          </a:p>
+          <a:p>
+            <a:pPr marL="0" indent="0" algn="ctr">
+              <a:buNone/>
+            </a:pPr>
+            <a:endParaRPr lang="en-DE" dirty="0"/>
+          </a:p>
+          <a:p>
+            <a:pPr marL="0" indent="0" algn="ctr">
+              <a:buNone/>
+            </a:pPr>
             <a:r>
               <a:rPr lang="en-DE" dirty="0"/>
-              <a:t>Comparsion</a:t>
-            </a:r>
-          </a:p>
-        </p:txBody>
-      </p:sp>
-      <p:sp>
-        <p:nvSpPr>
-          <p:cNvPr id="3" name="Content Placeholder 2">
-            <a:extLst>
-              <a:ext uri="{FF2B5EF4-FFF2-40B4-BE49-F238E27FC236}">
-                <a16:creationId xmlns:a16="http://schemas.microsoft.com/office/drawing/2014/main" id="{661B9DFE-713E-B04C-A9B1-DDD10F8FA7CE}"/>
-              </a:ext>
-            </a:extLst>
-          </p:cNvPr>
-          <p:cNvSpPr>
-            <a:spLocks noGrp="1"/>
-          </p:cNvSpPr>
-          <p:nvPr>
-            <p:ph idx="1"/>
-          </p:nvPr>
-        </p:nvSpPr>
-        <p:spPr/>
-        <p:txBody>
-          <a:bodyPr/>
-          <a:lstStyle/>
-          <a:p>
-            <a:r>
-              <a:rPr lang="en-DE" dirty="0"/>
-              <a:t>Based on Orchestrator</a:t>
-            </a:r>
-          </a:p>
-          <a:p>
-            <a:pPr lvl="1"/>
-            <a:r>
-              <a:rPr lang="en-DE" dirty="0"/>
-              <a:t>Fogernetes</a:t>
-            </a:r>
-          </a:p>
-          <a:p>
-            <a:pPr lvl="1"/>
-            <a:r>
-              <a:rPr lang="en-DE" dirty="0"/>
-              <a:t>Docker Swarm</a:t>
-            </a:r>
-          </a:p>
-          <a:p>
-            <a:r>
-              <a:rPr lang="en-DE" dirty="0"/>
-              <a:t>Based on Scheduling Techniques</a:t>
-            </a:r>
-          </a:p>
-          <a:p>
-            <a:pPr lvl="1"/>
-            <a:r>
-              <a:rPr lang="en-DE" dirty="0"/>
-              <a:t>Technique One [paper ref]</a:t>
-            </a:r>
-          </a:p>
-          <a:p>
-            <a:pPr lvl="1"/>
-            <a:r>
-              <a:rPr lang="en-DE" dirty="0"/>
-              <a:t>Techniques Two [paper ref]</a:t>
-            </a:r>
-          </a:p>
-          <a:p>
-            <a:pPr lvl="1"/>
-            <a:endParaRPr lang="en-DE" dirty="0"/>
+              <a:t>Need for New Scheduling Technique</a:t>
+            </a:r>
           </a:p>
         </p:txBody>
       </p:sp>
     </p:spTree>
     <p:extLst>
       <p:ext uri="{BB962C8B-B14F-4D97-AF65-F5344CB8AC3E}">
-        <p14:creationId xmlns:p14="http://schemas.microsoft.com/office/powerpoint/2010/main" val="3010451804"/>
+        <p14:creationId xmlns:p14="http://schemas.microsoft.com/office/powerpoint/2010/main" val="3806032517"/>
       </p:ext>
     </p:extLst>
   </p:cSld>
